--- a/docs/ExpressiVar_presentation.pptx
+++ b/docs/ExpressiVar_presentation.pptx
@@ -5,8 +5,8 @@
     <p:sldMasterId id="2147483648" r:id="rId1"/>
   </p:sldMasterIdLst>
   <p:sldIdLst>
-    <p:sldId id="260" r:id="rId2"/>
-    <p:sldId id="261" r:id="rId3"/>
+    <p:sldId id="262" r:id="rId2"/>
+    <p:sldId id="264" r:id="rId3"/>
   </p:sldIdLst>
   <p:sldSz cx="12192000" cy="6858000"/>
   <p:notesSz cx="6858000" cy="9144000"/>
@@ -3324,10 +3324,10 @@
       </p:grpSpPr>
       <p:sp>
         <p:nvSpPr>
-          <p:cNvPr id="4" name="Rectangle 3">
-            <a:extLst>
-              <a:ext uri="{FF2B5EF4-FFF2-40B4-BE49-F238E27FC236}">
-                <a16:creationId xmlns:a16="http://schemas.microsoft.com/office/drawing/2014/main" id="{D161D874-4CF6-49DF-9693-390E0EE0C06B}"/>
+          <p:cNvPr id="16" name="Rectangle 15">
+            <a:extLst>
+              <a:ext uri="{FF2B5EF4-FFF2-40B4-BE49-F238E27FC236}">
+                <a16:creationId xmlns:a16="http://schemas.microsoft.com/office/drawing/2014/main" id="{179964BF-89E7-4487-9CFA-05BBDCCF9A2E}"/>
               </a:ext>
             </a:extLst>
           </p:cNvPr>
@@ -3336,8 +3336,8 @@
         </p:nvSpPr>
         <p:spPr>
           <a:xfrm>
-            <a:off x="3574102" y="697739"/>
-            <a:ext cx="1509560" cy="1641893"/>
+            <a:off x="2266735" y="540824"/>
+            <a:ext cx="1180778" cy="578288"/>
           </a:xfrm>
           <a:prstGeom prst="rect">
             <a:avLst/>
@@ -3366,17 +3366,17 @@
             <a:pPr algn="ctr"/>
             <a:r>
               <a:rPr lang="en-US" dirty="0"/>
-              <a:t>Gene expression, annotated with its mutations</a:t>
-            </a:r>
-          </a:p>
-        </p:txBody>
-      </p:sp>
-      <p:sp>
-        <p:nvSpPr>
-          <p:cNvPr id="5" name="Rectangle 4">
-            <a:extLst>
-              <a:ext uri="{FF2B5EF4-FFF2-40B4-BE49-F238E27FC236}">
-                <a16:creationId xmlns:a16="http://schemas.microsoft.com/office/drawing/2014/main" id="{67199F92-B5B5-44CC-BD56-2F6FFCDBB0B4}"/>
+              <a:t>annotated VCF file</a:t>
+            </a:r>
+          </a:p>
+        </p:txBody>
+      </p:sp>
+      <p:sp>
+        <p:nvSpPr>
+          <p:cNvPr id="17" name="Rectangle 16">
+            <a:extLst>
+              <a:ext uri="{FF2B5EF4-FFF2-40B4-BE49-F238E27FC236}">
+                <a16:creationId xmlns:a16="http://schemas.microsoft.com/office/drawing/2014/main" id="{DBB054F6-4566-40CA-9B5F-335B55B4B904}"/>
               </a:ext>
             </a:extLst>
           </p:cNvPr>
@@ -3385,8 +3385,68 @@
         </p:nvSpPr>
         <p:spPr>
           <a:xfrm>
-            <a:off x="6852738" y="1761344"/>
-            <a:ext cx="1427448" cy="578288"/>
+            <a:off x="2707673" y="1757661"/>
+            <a:ext cx="1457578" cy="1170864"/>
+          </a:xfrm>
+          <a:prstGeom prst="rect">
+            <a:avLst/>
+          </a:prstGeom>
+        </p:spPr>
+        <p:style>
+          <a:lnRef idx="2">
+            <a:schemeClr val="dk1">
+              <a:shade val="50000"/>
+            </a:schemeClr>
+          </a:lnRef>
+          <a:fillRef idx="1">
+            <a:schemeClr val="dk1"/>
+          </a:fillRef>
+          <a:effectRef idx="0">
+            <a:schemeClr val="dk1"/>
+          </a:effectRef>
+          <a:fontRef idx="minor">
+            <a:schemeClr val="lt1"/>
+          </a:fontRef>
+        </p:style>
+        <p:txBody>
+          <a:bodyPr rtlCol="0" anchor="ctr"/>
+          <a:lstStyle/>
+          <a:p>
+            <a:pPr algn="ctr"/>
+            <a:r>
+              <a:rPr lang="en-US" b="1" dirty="0"/>
+              <a:t>Python</a:t>
+            </a:r>
+          </a:p>
+          <a:p>
+            <a:pPr algn="ctr"/>
+            <a:endParaRPr lang="en-US" dirty="0"/>
+          </a:p>
+          <a:p>
+            <a:pPr algn="ctr"/>
+            <a:r>
+              <a:rPr lang="en-US" dirty="0"/>
+              <a:t>Expression to VCF</a:t>
+            </a:r>
+          </a:p>
+        </p:txBody>
+      </p:sp>
+      <p:sp>
+        <p:nvSpPr>
+          <p:cNvPr id="18" name="Rectangle 17">
+            <a:extLst>
+              <a:ext uri="{FF2B5EF4-FFF2-40B4-BE49-F238E27FC236}">
+                <a16:creationId xmlns:a16="http://schemas.microsoft.com/office/drawing/2014/main" id="{A5DDC53E-7B00-4319-A119-277DBE8EFFA4}"/>
+              </a:ext>
+            </a:extLst>
+          </p:cNvPr>
+          <p:cNvSpPr/>
+          <p:nvPr/>
+        </p:nvSpPr>
+        <p:spPr>
+          <a:xfrm>
+            <a:off x="3602993" y="540824"/>
+            <a:ext cx="944363" cy="578288"/>
           </a:xfrm>
           <a:prstGeom prst="rect">
             <a:avLst/>
@@ -3421,353 +3481,24 @@
           </a:p>
         </p:txBody>
       </p:sp>
-      <p:graphicFrame>
-        <p:nvGraphicFramePr>
-          <p:cNvPr id="13" name="Table 12">
-            <a:extLst>
-              <a:ext uri="{FF2B5EF4-FFF2-40B4-BE49-F238E27FC236}">
-                <a16:creationId xmlns:a16="http://schemas.microsoft.com/office/drawing/2014/main" id="{B7B4142A-9D50-40F1-98A2-4559EA4B050B}"/>
-              </a:ext>
-            </a:extLst>
-          </p:cNvPr>
-          <p:cNvGraphicFramePr>
-            <a:graphicFrameLocks noGrp="1"/>
-          </p:cNvGraphicFramePr>
-          <p:nvPr/>
-        </p:nvGraphicFramePr>
-        <p:xfrm>
-          <a:off x="874552" y="3780281"/>
-          <a:ext cx="2481253" cy="1483360"/>
-        </p:xfrm>
-        <a:graphic>
-          <a:graphicData uri="http://schemas.openxmlformats.org/drawingml/2006/table">
-            <a:tbl>
-              <a:tblPr firstRow="1" bandRow="1">
-                <a:tableStyleId>{5940675A-B579-460E-94D1-54222C63F5DA}</a:tableStyleId>
-              </a:tblPr>
-              <a:tblGrid>
-                <a:gridCol w="651589">
-                  <a:extLst>
-                    <a:ext uri="{9D8B030D-6E8A-4147-A177-3AD203B41FA5}">
-                      <a16:colId xmlns:a16="http://schemas.microsoft.com/office/drawing/2014/main" val="2924492873"/>
-                    </a:ext>
-                  </a:extLst>
-                </a:gridCol>
-                <a:gridCol w="1829664">
-                  <a:extLst>
-                    <a:ext uri="{9D8B030D-6E8A-4147-A177-3AD203B41FA5}">
-                      <a16:colId xmlns:a16="http://schemas.microsoft.com/office/drawing/2014/main" val="925019660"/>
-                    </a:ext>
-                  </a:extLst>
-                </a:gridCol>
-              </a:tblGrid>
-              <a:tr h="370840">
-                <a:tc>
-                  <a:txBody>
-                    <a:bodyPr/>
-                    <a:lstStyle/>
-                    <a:p>
-                      <a:endParaRPr lang="en-US" sz="1200" dirty="0"/>
-                    </a:p>
-                  </a:txBody>
-                  <a:tcPr/>
-                </a:tc>
-                <a:tc>
-                  <a:txBody>
-                    <a:bodyPr/>
-                    <a:lstStyle/>
-                    <a:p>
-                      <a:r>
-                        <a:rPr lang="en-US" sz="1200" dirty="0"/>
-                        <a:t>CHROM | POS | REF | ALT</a:t>
-                      </a:r>
-                    </a:p>
-                  </a:txBody>
-                  <a:tcPr/>
-                </a:tc>
-                <a:extLst>
-                  <a:ext uri="{0D108BD9-81ED-4DB2-BD59-A6C34878D82A}">
-                    <a16:rowId xmlns:a16="http://schemas.microsoft.com/office/drawing/2014/main" val="3936872903"/>
-                  </a:ext>
-                </a:extLst>
-              </a:tr>
-              <a:tr h="370840">
-                <a:tc>
-                  <a:txBody>
-                    <a:bodyPr/>
-                    <a:lstStyle/>
-                    <a:p>
-                      <a:r>
-                        <a:rPr lang="en-US" sz="1200" dirty="0"/>
-                        <a:t>mut1</a:t>
-                      </a:r>
-                    </a:p>
-                  </a:txBody>
-                  <a:tcPr/>
-                </a:tc>
-                <a:tc>
-                  <a:txBody>
-                    <a:bodyPr/>
-                    <a:lstStyle/>
-                    <a:p>
-                      <a:endParaRPr lang="en-US" sz="1200" dirty="0"/>
-                    </a:p>
-                  </a:txBody>
-                  <a:tcPr/>
-                </a:tc>
-                <a:extLst>
-                  <a:ext uri="{0D108BD9-81ED-4DB2-BD59-A6C34878D82A}">
-                    <a16:rowId xmlns:a16="http://schemas.microsoft.com/office/drawing/2014/main" val="2913549281"/>
-                  </a:ext>
-                </a:extLst>
-              </a:tr>
-              <a:tr h="370840">
-                <a:tc>
-                  <a:txBody>
-                    <a:bodyPr/>
-                    <a:lstStyle/>
-                    <a:p>
-                      <a:r>
-                        <a:rPr lang="en-US" sz="1200" dirty="0"/>
-                        <a:t>mut2</a:t>
-                      </a:r>
-                    </a:p>
-                  </a:txBody>
-                  <a:tcPr/>
-                </a:tc>
-                <a:tc>
-                  <a:txBody>
-                    <a:bodyPr/>
-                    <a:lstStyle/>
-                    <a:p>
-                      <a:endParaRPr lang="en-US" sz="1200" dirty="0"/>
-                    </a:p>
-                  </a:txBody>
-                  <a:tcPr/>
-                </a:tc>
-                <a:extLst>
-                  <a:ext uri="{0D108BD9-81ED-4DB2-BD59-A6C34878D82A}">
-                    <a16:rowId xmlns:a16="http://schemas.microsoft.com/office/drawing/2014/main" val="3610620223"/>
-                  </a:ext>
-                </a:extLst>
-              </a:tr>
-              <a:tr h="370840">
-                <a:tc>
-                  <a:txBody>
-                    <a:bodyPr/>
-                    <a:lstStyle/>
-                    <a:p>
-                      <a:r>
-                        <a:rPr lang="en-US" sz="1200" dirty="0"/>
-                        <a:t>mut3</a:t>
-                      </a:r>
-                    </a:p>
-                  </a:txBody>
-                  <a:tcPr/>
-                </a:tc>
-                <a:tc>
-                  <a:txBody>
-                    <a:bodyPr/>
-                    <a:lstStyle/>
-                    <a:p>
-                      <a:endParaRPr lang="en-US" sz="1200" dirty="0"/>
-                    </a:p>
-                  </a:txBody>
-                  <a:tcPr/>
-                </a:tc>
-                <a:extLst>
-                  <a:ext uri="{0D108BD9-81ED-4DB2-BD59-A6C34878D82A}">
-                    <a16:rowId xmlns:a16="http://schemas.microsoft.com/office/drawing/2014/main" val="2702357084"/>
-                  </a:ext>
-                </a:extLst>
-              </a:tr>
-            </a:tbl>
-          </a:graphicData>
-        </a:graphic>
-      </p:graphicFrame>
-      <p:graphicFrame>
-        <p:nvGraphicFramePr>
-          <p:cNvPr id="14" name="Table 13">
-            <a:extLst>
-              <a:ext uri="{FF2B5EF4-FFF2-40B4-BE49-F238E27FC236}">
-                <a16:creationId xmlns:a16="http://schemas.microsoft.com/office/drawing/2014/main" id="{86AF2C8E-EA13-408D-89AE-43E38401999D}"/>
-              </a:ext>
-            </a:extLst>
-          </p:cNvPr>
-          <p:cNvGraphicFramePr>
-            <a:graphicFrameLocks noGrp="1"/>
-          </p:cNvGraphicFramePr>
-          <p:nvPr/>
-        </p:nvGraphicFramePr>
-        <p:xfrm>
-          <a:off x="8494298" y="888389"/>
-          <a:ext cx="1643876" cy="1483360"/>
-        </p:xfrm>
-        <a:graphic>
-          <a:graphicData uri="http://schemas.openxmlformats.org/drawingml/2006/table">
-            <a:tbl>
-              <a:tblPr firstRow="1" bandRow="1">
-                <a:tableStyleId>{5940675A-B579-460E-94D1-54222C63F5DA}</a:tableStyleId>
-              </a:tblPr>
-              <a:tblGrid>
-                <a:gridCol w="689113">
-                  <a:extLst>
-                    <a:ext uri="{9D8B030D-6E8A-4147-A177-3AD203B41FA5}">
-                      <a16:colId xmlns:a16="http://schemas.microsoft.com/office/drawing/2014/main" val="2924492873"/>
-                    </a:ext>
-                  </a:extLst>
-                </a:gridCol>
-                <a:gridCol w="954763">
-                  <a:extLst>
-                    <a:ext uri="{9D8B030D-6E8A-4147-A177-3AD203B41FA5}">
-                      <a16:colId xmlns:a16="http://schemas.microsoft.com/office/drawing/2014/main" val="925019660"/>
-                    </a:ext>
-                  </a:extLst>
-                </a:gridCol>
-              </a:tblGrid>
-              <a:tr h="370840">
-                <a:tc>
-                  <a:txBody>
-                    <a:bodyPr/>
-                    <a:lstStyle/>
-                    <a:p>
-                      <a:endParaRPr lang="en-US" sz="1200" dirty="0"/>
-                    </a:p>
-                  </a:txBody>
-                  <a:tcPr/>
-                </a:tc>
-                <a:tc>
-                  <a:txBody>
-                    <a:bodyPr/>
-                    <a:lstStyle/>
-                    <a:p>
-                      <a:r>
-                        <a:rPr lang="en-US" sz="1200" dirty="0"/>
-                        <a:t>Expression</a:t>
-                      </a:r>
-                    </a:p>
-                  </a:txBody>
-                  <a:tcPr/>
-                </a:tc>
-                <a:extLst>
-                  <a:ext uri="{0D108BD9-81ED-4DB2-BD59-A6C34878D82A}">
-                    <a16:rowId xmlns:a16="http://schemas.microsoft.com/office/drawing/2014/main" val="3936872903"/>
-                  </a:ext>
-                </a:extLst>
-              </a:tr>
-              <a:tr h="370840">
-                <a:tc>
-                  <a:txBody>
-                    <a:bodyPr/>
-                    <a:lstStyle/>
-                    <a:p>
-                      <a:r>
-                        <a:rPr lang="en-US" sz="1200" dirty="0" err="1"/>
-                        <a:t>geneA</a:t>
-                      </a:r>
-                      <a:endParaRPr lang="en-US" sz="1200" dirty="0"/>
-                    </a:p>
-                  </a:txBody>
-                  <a:tcPr/>
-                </a:tc>
-                <a:tc>
-                  <a:txBody>
-                    <a:bodyPr/>
-                    <a:lstStyle/>
-                    <a:p>
-                      <a:endParaRPr lang="en-US" sz="1200" dirty="0"/>
-                    </a:p>
-                  </a:txBody>
-                  <a:tcPr/>
-                </a:tc>
-                <a:extLst>
-                  <a:ext uri="{0D108BD9-81ED-4DB2-BD59-A6C34878D82A}">
-                    <a16:rowId xmlns:a16="http://schemas.microsoft.com/office/drawing/2014/main" val="2913549281"/>
-                  </a:ext>
-                </a:extLst>
-              </a:tr>
-              <a:tr h="370840">
-                <a:tc>
-                  <a:txBody>
-                    <a:bodyPr/>
-                    <a:lstStyle/>
-                    <a:p>
-                      <a:r>
-                        <a:rPr lang="en-US" sz="1200" dirty="0" err="1"/>
-                        <a:t>geneB</a:t>
-                      </a:r>
-                      <a:endParaRPr lang="en-US" sz="1200" dirty="0"/>
-                    </a:p>
-                  </a:txBody>
-                  <a:tcPr/>
-                </a:tc>
-                <a:tc>
-                  <a:txBody>
-                    <a:bodyPr/>
-                    <a:lstStyle/>
-                    <a:p>
-                      <a:endParaRPr lang="en-US" sz="1200" dirty="0"/>
-                    </a:p>
-                  </a:txBody>
-                  <a:tcPr/>
-                </a:tc>
-                <a:extLst>
-                  <a:ext uri="{0D108BD9-81ED-4DB2-BD59-A6C34878D82A}">
-                    <a16:rowId xmlns:a16="http://schemas.microsoft.com/office/drawing/2014/main" val="3610620223"/>
-                  </a:ext>
-                </a:extLst>
-              </a:tr>
-              <a:tr h="370840">
-                <a:tc>
-                  <a:txBody>
-                    <a:bodyPr/>
-                    <a:lstStyle/>
-                    <a:p>
-                      <a:r>
-                        <a:rPr lang="en-US" sz="1200" dirty="0" err="1"/>
-                        <a:t>geneC</a:t>
-                      </a:r>
-                      <a:endParaRPr lang="en-US" sz="1200" dirty="0"/>
-                    </a:p>
-                  </a:txBody>
-                  <a:tcPr/>
-                </a:tc>
-                <a:tc>
-                  <a:txBody>
-                    <a:bodyPr/>
-                    <a:lstStyle/>
-                    <a:p>
-                      <a:endParaRPr lang="en-US" sz="1200" dirty="0"/>
-                    </a:p>
-                  </a:txBody>
-                  <a:tcPr/>
-                </a:tc>
-                <a:extLst>
-                  <a:ext uri="{0D108BD9-81ED-4DB2-BD59-A6C34878D82A}">
-                    <a16:rowId xmlns:a16="http://schemas.microsoft.com/office/drawing/2014/main" val="2702357084"/>
-                  </a:ext>
-                </a:extLst>
-              </a:tr>
-            </a:tbl>
-          </a:graphicData>
-        </a:graphic>
-      </p:graphicFrame>
       <p:cxnSp>
         <p:nvCxnSpPr>
-          <p:cNvPr id="17" name="Straight Arrow Connector 16">
-            <a:extLst>
-              <a:ext uri="{FF2B5EF4-FFF2-40B4-BE49-F238E27FC236}">
-                <a16:creationId xmlns:a16="http://schemas.microsoft.com/office/drawing/2014/main" id="{69A0AC02-F620-4489-85F6-26BA11619F11}"/>
-              </a:ext>
-            </a:extLst>
-          </p:cNvPr>
-          <p:cNvCxnSpPr/>
+          <p:cNvPr id="19" name="Straight Arrow Connector 18">
+            <a:extLst>
+              <a:ext uri="{FF2B5EF4-FFF2-40B4-BE49-F238E27FC236}">
+                <a16:creationId xmlns:a16="http://schemas.microsoft.com/office/drawing/2014/main" id="{B400CA45-00C7-491C-9A1D-C0823C466D9D}"/>
+              </a:ext>
+            </a:extLst>
+          </p:cNvPr>
+          <p:cNvCxnSpPr>
+            <a:cxnSpLocks/>
+          </p:cNvCxnSpPr>
           <p:nvPr/>
         </p:nvCxnSpPr>
         <p:spPr>
-          <a:xfrm flipH="1">
-            <a:off x="5288127" y="2050488"/>
-            <a:ext cx="1350499" cy="0"/>
+          <a:xfrm>
+            <a:off x="2851355" y="1181117"/>
+            <a:ext cx="0" cy="535140"/>
           </a:xfrm>
           <a:prstGeom prst="straightConnector1">
             <a:avLst/>
@@ -3793,10 +3524,10 @@
       </p:cxnSp>
       <p:cxnSp>
         <p:nvCxnSpPr>
-          <p:cNvPr id="19" name="Straight Arrow Connector 18">
-            <a:extLst>
-              <a:ext uri="{FF2B5EF4-FFF2-40B4-BE49-F238E27FC236}">
-                <a16:creationId xmlns:a16="http://schemas.microsoft.com/office/drawing/2014/main" id="{801E7C07-DF23-4DB7-BFB2-7F8472DCCD78}"/>
+          <p:cNvPr id="20" name="Straight Arrow Connector 19">
+            <a:extLst>
+              <a:ext uri="{FF2B5EF4-FFF2-40B4-BE49-F238E27FC236}">
+                <a16:creationId xmlns:a16="http://schemas.microsoft.com/office/drawing/2014/main" id="{94C4D1D2-505E-4721-962E-B72E4187D132}"/>
               </a:ext>
             </a:extLst>
           </p:cNvPr>
@@ -3807,8 +3538,8 @@
         </p:nvCxnSpPr>
         <p:spPr>
           <a:xfrm>
-            <a:off x="5281837" y="4122477"/>
-            <a:ext cx="1306970" cy="0"/>
+            <a:off x="4075174" y="1181117"/>
+            <a:ext cx="0" cy="535140"/>
           </a:xfrm>
           <a:prstGeom prst="straightConnector1">
             <a:avLst/>
@@ -3832,12 +3563,53 @@
           </a:fontRef>
         </p:style>
       </p:cxnSp>
-      <p:sp>
-        <p:nvSpPr>
-          <p:cNvPr id="20" name="Rectangle 19">
-            <a:extLst>
-              <a:ext uri="{FF2B5EF4-FFF2-40B4-BE49-F238E27FC236}">
-                <a16:creationId xmlns:a16="http://schemas.microsoft.com/office/drawing/2014/main" id="{185FAA4B-07DF-42F3-959B-8EBCC3AF4BA5}"/>
+      <p:cxnSp>
+        <p:nvCxnSpPr>
+          <p:cNvPr id="21" name="Straight Arrow Connector 20">
+            <a:extLst>
+              <a:ext uri="{FF2B5EF4-FFF2-40B4-BE49-F238E27FC236}">
+                <a16:creationId xmlns:a16="http://schemas.microsoft.com/office/drawing/2014/main" id="{45FC4075-0AAB-44B4-9C1D-E73BAE009CE4}"/>
+              </a:ext>
+            </a:extLst>
+          </p:cNvPr>
+          <p:cNvCxnSpPr>
+            <a:cxnSpLocks/>
+          </p:cNvCxnSpPr>
+          <p:nvPr/>
+        </p:nvCxnSpPr>
+        <p:spPr>
+          <a:xfrm>
+            <a:off x="3455561" y="2965618"/>
+            <a:ext cx="8048" cy="626082"/>
+          </a:xfrm>
+          <a:prstGeom prst="straightConnector1">
+            <a:avLst/>
+          </a:prstGeom>
+          <a:ln>
+            <a:tailEnd type="triangle"/>
+          </a:ln>
+        </p:spPr>
+        <p:style>
+          <a:lnRef idx="1">
+            <a:schemeClr val="accent1"/>
+          </a:lnRef>
+          <a:fillRef idx="0">
+            <a:schemeClr val="accent1"/>
+          </a:fillRef>
+          <a:effectRef idx="0">
+            <a:schemeClr val="accent1"/>
+          </a:effectRef>
+          <a:fontRef idx="minor">
+            <a:schemeClr val="tx1"/>
+          </a:fontRef>
+        </p:style>
+      </p:cxnSp>
+      <p:sp>
+        <p:nvSpPr>
+          <p:cNvPr id="22" name="Rectangle 21">
+            <a:extLst>
+              <a:ext uri="{FF2B5EF4-FFF2-40B4-BE49-F238E27FC236}">
+                <a16:creationId xmlns:a16="http://schemas.microsoft.com/office/drawing/2014/main" id="{9F2F2B7F-DC73-417A-BEC5-568C3770D608}"/>
               </a:ext>
             </a:extLst>
           </p:cNvPr>
@@ -3846,8 +3618,8 @@
         </p:nvSpPr>
         <p:spPr>
           <a:xfrm>
-            <a:off x="3574102" y="3750796"/>
-            <a:ext cx="1505957" cy="578288"/>
+            <a:off x="2354621" y="3648112"/>
+            <a:ext cx="2163683" cy="824177"/>
           </a:xfrm>
           <a:prstGeom prst="rect">
             <a:avLst/>
@@ -3876,77 +3648,70 @@
             <a:pPr algn="ctr"/>
             <a:r>
               <a:rPr lang="en-US" dirty="0"/>
-              <a:t>VCF</a:t>
-            </a:r>
-          </a:p>
-        </p:txBody>
-      </p:sp>
-      <p:sp>
-        <p:nvSpPr>
-          <p:cNvPr id="21" name="Rectangle 20">
-            <a:extLst>
-              <a:ext uri="{FF2B5EF4-FFF2-40B4-BE49-F238E27FC236}">
-                <a16:creationId xmlns:a16="http://schemas.microsoft.com/office/drawing/2014/main" id="{2DFE57AF-59B0-4FC0-A48E-ABB17F4430F0}"/>
-              </a:ext>
-            </a:extLst>
-          </p:cNvPr>
-          <p:cNvSpPr/>
+              <a:t>Annotated variants associated with gene expression</a:t>
+            </a:r>
+          </a:p>
+        </p:txBody>
+      </p:sp>
+      <p:sp>
+        <p:nvSpPr>
+          <p:cNvPr id="23" name="TextBox 22">
+            <a:extLst>
+              <a:ext uri="{FF2B5EF4-FFF2-40B4-BE49-F238E27FC236}">
+                <a16:creationId xmlns:a16="http://schemas.microsoft.com/office/drawing/2014/main" id="{A17B0FD3-B772-4CB8-BF30-F253F38EC984}"/>
+              </a:ext>
+            </a:extLst>
+          </p:cNvPr>
+          <p:cNvSpPr txBox="1"/>
           <p:nvPr/>
         </p:nvSpPr>
         <p:spPr>
           <a:xfrm>
-            <a:off x="6837673" y="3780281"/>
-            <a:ext cx="1457578" cy="1097606"/>
+            <a:off x="3701021" y="3278781"/>
+            <a:ext cx="928461" cy="369332"/>
           </a:xfrm>
           <a:prstGeom prst="rect">
             <a:avLst/>
           </a:prstGeom>
+          <a:noFill/>
         </p:spPr>
-        <p:style>
-          <a:lnRef idx="2">
-            <a:schemeClr val="accent1">
-              <a:shade val="50000"/>
-            </a:schemeClr>
-          </a:lnRef>
-          <a:fillRef idx="1">
-            <a:schemeClr val="accent1"/>
-          </a:fillRef>
-          <a:effectRef idx="0">
-            <a:schemeClr val="accent1"/>
-          </a:effectRef>
-          <a:fontRef idx="minor">
-            <a:schemeClr val="lt1"/>
-          </a:fontRef>
-        </p:style>
-        <p:txBody>
-          <a:bodyPr rtlCol="0" anchor="ctr"/>
+        <p:txBody>
+          <a:bodyPr wrap="square" rtlCol="0">
+            <a:spAutoFit/>
+          </a:bodyPr>
           <a:lstStyle/>
           <a:p>
             <a:pPr algn="ctr"/>
             <a:r>
               <a:rPr lang="en-US" dirty="0"/>
-              <a:t>Mutations, annotated with its gene expression</a:t>
+              <a:t>Output</a:t>
             </a:r>
           </a:p>
         </p:txBody>
       </p:sp>
       <p:graphicFrame>
         <p:nvGraphicFramePr>
-          <p:cNvPr id="24" name="Table 23">
-            <a:extLst>
-              <a:ext uri="{FF2B5EF4-FFF2-40B4-BE49-F238E27FC236}">
-                <a16:creationId xmlns:a16="http://schemas.microsoft.com/office/drawing/2014/main" id="{3537309C-685E-4FBF-9709-7B4874EADA51}"/>
+          <p:cNvPr id="29" name="Table 28">
+            <a:extLst>
+              <a:ext uri="{FF2B5EF4-FFF2-40B4-BE49-F238E27FC236}">
+                <a16:creationId xmlns:a16="http://schemas.microsoft.com/office/drawing/2014/main" id="{737DE8BB-1A09-402A-8F03-DA61BA792662}"/>
               </a:ext>
             </a:extLst>
           </p:cNvPr>
           <p:cNvGraphicFramePr>
             <a:graphicFrameLocks noGrp="1"/>
           </p:cNvGraphicFramePr>
-          <p:nvPr/>
+          <p:nvPr>
+            <p:extLst>
+              <p:ext uri="{D42A27DB-BD31-4B8C-83A1-F6EECF244321}">
+                <p14:modId xmlns:p14="http://schemas.microsoft.com/office/powerpoint/2010/main" val="1698522912"/>
+              </p:ext>
+            </p:extLst>
+          </p:nvPr>
         </p:nvGraphicFramePr>
         <p:xfrm>
-          <a:off x="154745" y="587032"/>
-          <a:ext cx="3201361" cy="1935480"/>
+          <a:off x="7077588" y="5032872"/>
+          <a:ext cx="4648072" cy="1645920"/>
         </p:xfrm>
         <a:graphic>
           <a:graphicData uri="http://schemas.openxmlformats.org/drawingml/2006/table">
@@ -3955,21 +3720,28 @@
                 <a:tableStyleId>{5940675A-B579-460E-94D1-54222C63F5DA}</a:tableStyleId>
               </a:tblPr>
               <a:tblGrid>
-                <a:gridCol w="945611">
+                <a:gridCol w="623189">
                   <a:extLst>
                     <a:ext uri="{9D8B030D-6E8A-4147-A177-3AD203B41FA5}">
                       <a16:colId xmlns:a16="http://schemas.microsoft.com/office/drawing/2014/main" val="2924492873"/>
                     </a:ext>
                   </a:extLst>
                 </a:gridCol>
-                <a:gridCol w="855053">
+                <a:gridCol w="951831">
                   <a:extLst>
                     <a:ext uri="{9D8B030D-6E8A-4147-A177-3AD203B41FA5}">
                       <a16:colId xmlns:a16="http://schemas.microsoft.com/office/drawing/2014/main" val="925019660"/>
                     </a:ext>
                   </a:extLst>
                 </a:gridCol>
-                <a:gridCol w="1400697">
+                <a:gridCol w="951831">
+                  <a:extLst>
+                    <a:ext uri="{9D8B030D-6E8A-4147-A177-3AD203B41FA5}">
+                      <a16:colId xmlns:a16="http://schemas.microsoft.com/office/drawing/2014/main" val="1355671247"/>
+                    </a:ext>
+                  </a:extLst>
+                </a:gridCol>
+                <a:gridCol w="2121221">
                   <a:extLst>
                     <a:ext uri="{9D8B030D-6E8A-4147-A177-3AD203B41FA5}">
                       <a16:colId xmlns:a16="http://schemas.microsoft.com/office/drawing/2014/main" val="2980849436"/>
@@ -3977,13 +3749,16 @@
                   </a:extLst>
                 </a:gridCol>
               </a:tblGrid>
-              <a:tr h="370840">
+              <a:tr h="264538">
                 <a:tc>
                   <a:txBody>
                     <a:bodyPr/>
                     <a:lstStyle/>
                     <a:p>
-                      <a:endParaRPr lang="en-US" sz="1200" dirty="0"/>
+                      <a:r>
+                        <a:rPr lang="en-US" sz="1200" dirty="0"/>
+                        <a:t>Gene</a:t>
+                      </a:r>
                     </a:p>
                   </a:txBody>
                   <a:tcPr/>
@@ -4007,7 +3782,27 @@
                     <a:lstStyle/>
                     <a:p>
                       <a:r>
-                        <a:rPr lang="en-US" sz="1200" dirty="0"/>
+                        <a:rPr lang="en-US" sz="1200" b="1" dirty="0"/>
+                        <a:t># Mut</a:t>
+                      </a:r>
+                    </a:p>
+                  </a:txBody>
+                  <a:tcPr>
+                    <a:solidFill>
+                      <a:schemeClr val="accent4">
+                        <a:lumMod val="40000"/>
+                        <a:lumOff val="60000"/>
+                      </a:schemeClr>
+                    </a:solidFill>
+                  </a:tcPr>
+                </a:tc>
+                <a:tc>
+                  <a:txBody>
+                    <a:bodyPr/>
+                    <a:lstStyle/>
+                    <a:p>
+                      <a:r>
+                        <a:rPr lang="en-US" sz="1200" b="1" dirty="0"/>
                         <a:t>Mut</a:t>
                       </a:r>
                     </a:p>
@@ -4047,7 +3842,54 @@
                     <a:bodyPr/>
                     <a:lstStyle/>
                     <a:p>
-                      <a:endParaRPr lang="en-US" sz="1200" dirty="0"/>
+                      <a:pPr marL="0" marR="0" lvl="0" indent="0" algn="l" defTabSz="914400" rtl="0" eaLnBrk="1" fontAlgn="auto" latinLnBrk="0" hangingPunct="1">
+                        <a:lnSpc>
+                          <a:spcPct val="100000"/>
+                        </a:lnSpc>
+                        <a:spcBef>
+                          <a:spcPts val="0"/>
+                        </a:spcBef>
+                        <a:spcAft>
+                          <a:spcPts val="0"/>
+                        </a:spcAft>
+                        <a:buClrTx/>
+                        <a:buSzTx/>
+                        <a:buFontTx/>
+                        <a:buNone/>
+                        <a:tabLst/>
+                        <a:defRPr/>
+                      </a:pPr>
+                      <a:r>
+                        <a:rPr kumimoji="0" lang="en-US" sz="1200" b="0" i="0" u="none" strike="noStrike" kern="1200" cap="none" spc="0" normalizeH="0" baseline="0" noProof="0">
+                          <a:ln>
+                            <a:noFill/>
+                          </a:ln>
+                          <a:solidFill>
+                            <a:prstClr val="black"/>
+                          </a:solidFill>
+                          <a:effectLst/>
+                          <a:uLnTx/>
+                          <a:uFillTx/>
+                          <a:latin typeface="Calibri" panose="020F0502020204030204"/>
+                          <a:ea typeface="+mn-ea"/>
+                          <a:cs typeface="+mn-cs"/>
+                        </a:rPr>
+                        <a:t>0.0</a:t>
+                      </a:r>
+                      <a:endParaRPr kumimoji="0" lang="en-US" sz="1200" b="0" i="0" u="none" strike="noStrike" kern="1200" cap="none" spc="0" normalizeH="0" baseline="0" noProof="0" dirty="0">
+                        <a:ln>
+                          <a:noFill/>
+                        </a:ln>
+                        <a:solidFill>
+                          <a:prstClr val="black"/>
+                        </a:solidFill>
+                        <a:effectLst/>
+                        <a:uLnTx/>
+                        <a:uFillTx/>
+                        <a:latin typeface="Calibri" panose="020F0502020204030204"/>
+                        <a:ea typeface="+mn-ea"/>
+                        <a:cs typeface="+mn-cs"/>
+                      </a:endParaRPr>
                     </a:p>
                   </a:txBody>
                   <a:tcPr/>
@@ -4075,8 +3917,58 @@
                         <a:defRPr/>
                       </a:pPr>
                       <a:r>
+                        <a:rPr kumimoji="0" lang="en-US" sz="1200" b="0" i="0" u="none" strike="noStrike" kern="1200" cap="none" spc="0" normalizeH="0" baseline="0" noProof="0" dirty="0">
+                          <a:ln>
+                            <a:noFill/>
+                          </a:ln>
+                          <a:solidFill>
+                            <a:prstClr val="black"/>
+                          </a:solidFill>
+                          <a:effectLst/>
+                          <a:uLnTx/>
+                          <a:uFillTx/>
+                          <a:latin typeface="Calibri" panose="020F0502020204030204"/>
+                          <a:ea typeface="+mn-ea"/>
+                          <a:cs typeface="+mn-cs"/>
+                        </a:rPr>
+                        <a:t>MUT:N</a:t>
+                      </a:r>
+                    </a:p>
+                  </a:txBody>
+                  <a:tcPr>
+                    <a:solidFill>
+                      <a:schemeClr val="accent4">
+                        <a:lumMod val="40000"/>
+                        <a:lumOff val="60000"/>
+                      </a:schemeClr>
+                    </a:solidFill>
+                  </a:tcPr>
+                </a:tc>
+                <a:tc>
+                  <a:txBody>
+                    <a:bodyPr/>
+                    <a:lstStyle/>
+                    <a:p>
+                      <a:pPr marL="0" marR="0" lvl="0" indent="0" algn="l" defTabSz="914400" rtl="0" eaLnBrk="1" fontAlgn="auto" latinLnBrk="0" hangingPunct="1">
+                        <a:lnSpc>
+                          <a:spcPct val="100000"/>
+                        </a:lnSpc>
+                        <a:spcBef>
+                          <a:spcPts val="0"/>
+                        </a:spcBef>
+                        <a:spcAft>
+                          <a:spcPts val="0"/>
+                        </a:spcAft>
+                        <a:buClrTx/>
+                        <a:buSzTx/>
+                        <a:buFontTx/>
+                        <a:buNone/>
+                        <a:tabLst/>
+                        <a:defRPr/>
+                      </a:pPr>
+                      <a:r>
                         <a:rPr lang="en-US" sz="1200" dirty="0"/>
-                        <a:t>CHROM1-POS1-REF1-ALT1; CHROM2-POS2-REF2-ALT2; etc.</a:t>
+                        <a:t>CHROM1-POS1-REF1-ALT1; CHROM2-POS2-REF2-ALT2;…N</a:t>
                       </a:r>
                     </a:p>
                   </a:txBody>
@@ -4115,7 +4007,54 @@
                     <a:bodyPr/>
                     <a:lstStyle/>
                     <a:p>
-                      <a:endParaRPr lang="en-US" sz="1200" dirty="0"/>
+                      <a:pPr marL="0" marR="0" lvl="0" indent="0" algn="l" defTabSz="914400" rtl="0" eaLnBrk="1" fontAlgn="auto" latinLnBrk="0" hangingPunct="1">
+                        <a:lnSpc>
+                          <a:spcPct val="100000"/>
+                        </a:lnSpc>
+                        <a:spcBef>
+                          <a:spcPts val="0"/>
+                        </a:spcBef>
+                        <a:spcAft>
+                          <a:spcPts val="0"/>
+                        </a:spcAft>
+                        <a:buClrTx/>
+                        <a:buSzTx/>
+                        <a:buFontTx/>
+                        <a:buNone/>
+                        <a:tabLst/>
+                        <a:defRPr/>
+                      </a:pPr>
+                      <a:r>
+                        <a:rPr kumimoji="0" lang="en-US" sz="1200" b="0" i="0" u="none" strike="noStrike" kern="1200" cap="none" spc="0" normalizeH="0" baseline="0" noProof="0">
+                          <a:ln>
+                            <a:noFill/>
+                          </a:ln>
+                          <a:solidFill>
+                            <a:prstClr val="black"/>
+                          </a:solidFill>
+                          <a:effectLst/>
+                          <a:uLnTx/>
+                          <a:uFillTx/>
+                          <a:latin typeface="Calibri" panose="020F0502020204030204"/>
+                          <a:ea typeface="+mn-ea"/>
+                          <a:cs typeface="+mn-cs"/>
+                        </a:rPr>
+                        <a:t>0.0</a:t>
+                      </a:r>
+                      <a:endParaRPr kumimoji="0" lang="en-US" sz="1200" b="0" i="0" u="none" strike="noStrike" kern="1200" cap="none" spc="0" normalizeH="0" baseline="0" noProof="0" dirty="0">
+                        <a:ln>
+                          <a:noFill/>
+                        </a:ln>
+                        <a:solidFill>
+                          <a:prstClr val="black"/>
+                        </a:solidFill>
+                        <a:effectLst/>
+                        <a:uLnTx/>
+                        <a:uFillTx/>
+                        <a:latin typeface="Calibri" panose="020F0502020204030204"/>
+                        <a:ea typeface="+mn-ea"/>
+                        <a:cs typeface="+mn-cs"/>
+                      </a:endParaRPr>
                     </a:p>
                   </a:txBody>
                   <a:tcPr/>
@@ -4125,7 +4064,77 @@
                     <a:bodyPr/>
                     <a:lstStyle/>
                     <a:p>
-                      <a:endParaRPr lang="en-US" sz="1200" b="1" dirty="0"/>
+                      <a:pPr marL="0" marR="0" lvl="0" indent="0" algn="l" defTabSz="914400" rtl="0" eaLnBrk="1" fontAlgn="auto" latinLnBrk="0" hangingPunct="1">
+                        <a:lnSpc>
+                          <a:spcPct val="100000"/>
+                        </a:lnSpc>
+                        <a:spcBef>
+                          <a:spcPts val="0"/>
+                        </a:spcBef>
+                        <a:spcAft>
+                          <a:spcPts val="0"/>
+                        </a:spcAft>
+                        <a:buClrTx/>
+                        <a:buSzTx/>
+                        <a:buFontTx/>
+                        <a:buNone/>
+                        <a:tabLst/>
+                        <a:defRPr/>
+                      </a:pPr>
+                      <a:r>
+                        <a:rPr kumimoji="0" lang="en-US" sz="1200" b="0" i="0" u="none" strike="noStrike" kern="1200" cap="none" spc="0" normalizeH="0" baseline="0" noProof="0" dirty="0">
+                          <a:ln>
+                            <a:noFill/>
+                          </a:ln>
+                          <a:solidFill>
+                            <a:prstClr val="black"/>
+                          </a:solidFill>
+                          <a:effectLst/>
+                          <a:uLnTx/>
+                          <a:uFillTx/>
+                          <a:latin typeface="Calibri" panose="020F0502020204030204"/>
+                          <a:ea typeface="+mn-ea"/>
+                          <a:cs typeface="+mn-cs"/>
+                        </a:rPr>
+                        <a:t>MUT:N</a:t>
+                      </a:r>
+                    </a:p>
+                  </a:txBody>
+                  <a:tcPr>
+                    <a:solidFill>
+                      <a:schemeClr val="accent4">
+                        <a:lumMod val="40000"/>
+                        <a:lumOff val="60000"/>
+                      </a:schemeClr>
+                    </a:solidFill>
+                  </a:tcPr>
+                </a:tc>
+                <a:tc>
+                  <a:txBody>
+                    <a:bodyPr/>
+                    <a:lstStyle/>
+                    <a:p>
+                      <a:pPr marL="0" marR="0" lvl="0" indent="0" algn="l" defTabSz="914400" rtl="0" eaLnBrk="1" fontAlgn="auto" latinLnBrk="0" hangingPunct="1">
+                        <a:lnSpc>
+                          <a:spcPct val="100000"/>
+                        </a:lnSpc>
+                        <a:spcBef>
+                          <a:spcPts val="0"/>
+                        </a:spcBef>
+                        <a:spcAft>
+                          <a:spcPts val="0"/>
+                        </a:spcAft>
+                        <a:buClrTx/>
+                        <a:buSzTx/>
+                        <a:buFontTx/>
+                        <a:buNone/>
+                        <a:tabLst/>
+                        <a:defRPr/>
+                      </a:pPr>
+                      <a:r>
+                        <a:rPr lang="en-US" sz="1200" dirty="0"/>
+                        <a:t>CHROM1-POS1-REF1-ALT1; CHROM2-POS2-REF2-ALT2;…N</a:t>
+                      </a:r>
                     </a:p>
                   </a:txBody>
                   <a:tcPr>
@@ -4163,172 +4172,6 @@
                     <a:bodyPr/>
                     <a:lstStyle/>
                     <a:p>
-                      <a:endParaRPr lang="en-US" sz="1200"/>
-                    </a:p>
-                  </a:txBody>
-                  <a:tcPr/>
-                </a:tc>
-                <a:tc>
-                  <a:txBody>
-                    <a:bodyPr/>
-                    <a:lstStyle/>
-                    <a:p>
-                      <a:endParaRPr lang="en-US" sz="1200" b="1" dirty="0"/>
-                    </a:p>
-                  </a:txBody>
-                  <a:tcPr>
-                    <a:solidFill>
-                      <a:schemeClr val="accent4">
-                        <a:lumMod val="40000"/>
-                        <a:lumOff val="60000"/>
-                      </a:schemeClr>
-                    </a:solidFill>
-                  </a:tcPr>
-                </a:tc>
-                <a:extLst>
-                  <a:ext uri="{0D108BD9-81ED-4DB2-BD59-A6C34878D82A}">
-                    <a16:rowId xmlns:a16="http://schemas.microsoft.com/office/drawing/2014/main" val="2702357084"/>
-                  </a:ext>
-                </a:extLst>
-              </a:tr>
-            </a:tbl>
-          </a:graphicData>
-        </a:graphic>
-      </p:graphicFrame>
-      <p:graphicFrame>
-        <p:nvGraphicFramePr>
-          <p:cNvPr id="25" name="Table 24">
-            <a:extLst>
-              <a:ext uri="{FF2B5EF4-FFF2-40B4-BE49-F238E27FC236}">
-                <a16:creationId xmlns:a16="http://schemas.microsoft.com/office/drawing/2014/main" id="{313F4EB9-5897-413D-9317-3E7FC84C966B}"/>
-              </a:ext>
-            </a:extLst>
-          </p:cNvPr>
-          <p:cNvGraphicFramePr>
-            <a:graphicFrameLocks noGrp="1"/>
-          </p:cNvGraphicFramePr>
-          <p:nvPr/>
-        </p:nvGraphicFramePr>
-        <p:xfrm>
-          <a:off x="8494297" y="3780281"/>
-          <a:ext cx="3435106" cy="1483360"/>
-        </p:xfrm>
-        <a:graphic>
-          <a:graphicData uri="http://schemas.openxmlformats.org/drawingml/2006/table">
-            <a:tbl>
-              <a:tblPr firstRow="1" bandRow="1">
-                <a:tableStyleId>{5940675A-B579-460E-94D1-54222C63F5DA}</a:tableStyleId>
-              </a:tblPr>
-              <a:tblGrid>
-                <a:gridCol w="671994">
-                  <a:extLst>
-                    <a:ext uri="{9D8B030D-6E8A-4147-A177-3AD203B41FA5}">
-                      <a16:colId xmlns:a16="http://schemas.microsoft.com/office/drawing/2014/main" val="2924492873"/>
-                    </a:ext>
-                  </a:extLst>
-                </a:gridCol>
-                <a:gridCol w="1834644">
-                  <a:extLst>
-                    <a:ext uri="{9D8B030D-6E8A-4147-A177-3AD203B41FA5}">
-                      <a16:colId xmlns:a16="http://schemas.microsoft.com/office/drawing/2014/main" val="925019660"/>
-                    </a:ext>
-                  </a:extLst>
-                </a:gridCol>
-                <a:gridCol w="928468">
-                  <a:extLst>
-                    <a:ext uri="{9D8B030D-6E8A-4147-A177-3AD203B41FA5}">
-                      <a16:colId xmlns:a16="http://schemas.microsoft.com/office/drawing/2014/main" val="3341469692"/>
-                    </a:ext>
-                  </a:extLst>
-                </a:gridCol>
-              </a:tblGrid>
-              <a:tr h="370840">
-                <a:tc>
-                  <a:txBody>
-                    <a:bodyPr/>
-                    <a:lstStyle/>
-                    <a:p>
-                      <a:endParaRPr lang="en-US" sz="1200" dirty="0"/>
-                    </a:p>
-                  </a:txBody>
-                  <a:tcPr/>
-                </a:tc>
-                <a:tc>
-                  <a:txBody>
-                    <a:bodyPr/>
-                    <a:lstStyle/>
-                    <a:p>
-                      <a:r>
-                        <a:rPr lang="en-US" sz="1200" dirty="0"/>
-                        <a:t>CHROM | POS | REF | ALT</a:t>
-                      </a:r>
-                    </a:p>
-                  </a:txBody>
-                  <a:tcPr/>
-                </a:tc>
-                <a:tc>
-                  <a:txBody>
-                    <a:bodyPr/>
-                    <a:lstStyle/>
-                    <a:p>
-                      <a:pPr marL="0" algn="l" defTabSz="914400" rtl="0" eaLnBrk="1" latinLnBrk="0" hangingPunct="1"/>
-                      <a:r>
-                        <a:rPr lang="en-US" sz="1200" b="1" kern="1200" dirty="0">
-                          <a:solidFill>
-                            <a:schemeClr val="tx1"/>
-                          </a:solidFill>
-                          <a:latin typeface="+mn-lt"/>
-                          <a:ea typeface="+mn-ea"/>
-                          <a:cs typeface="+mn-cs"/>
-                        </a:rPr>
-                        <a:t>Expression</a:t>
-                      </a:r>
-                    </a:p>
-                  </a:txBody>
-                  <a:tcPr>
-                    <a:solidFill>
-                      <a:schemeClr val="accent4">
-                        <a:lumMod val="40000"/>
-                        <a:lumOff val="60000"/>
-                      </a:schemeClr>
-                    </a:solidFill>
-                  </a:tcPr>
-                </a:tc>
-                <a:extLst>
-                  <a:ext uri="{0D108BD9-81ED-4DB2-BD59-A6C34878D82A}">
-                    <a16:rowId xmlns:a16="http://schemas.microsoft.com/office/drawing/2014/main" val="3936872903"/>
-                  </a:ext>
-                </a:extLst>
-              </a:tr>
-              <a:tr h="370840">
-                <a:tc>
-                  <a:txBody>
-                    <a:bodyPr/>
-                    <a:lstStyle/>
-                    <a:p>
-                      <a:r>
-                        <a:rPr lang="en-US" sz="1200" dirty="0"/>
-                        <a:t>mut1</a:t>
-                      </a:r>
-                    </a:p>
-                  </a:txBody>
-                  <a:tcPr/>
-                </a:tc>
-                <a:tc>
-                  <a:txBody>
-                    <a:bodyPr/>
-                    <a:lstStyle/>
-                    <a:p>
-                      <a:endParaRPr lang="en-US" sz="1200" dirty="0"/>
-                    </a:p>
-                  </a:txBody>
-                  <a:tcPr/>
-                </a:tc>
-                <a:tc>
-                  <a:txBody>
-                    <a:bodyPr/>
-                    <a:lstStyle/>
-                    <a:p>
                       <a:pPr marL="0" marR="0" lvl="0" indent="0" algn="l" defTabSz="914400" rtl="0" eaLnBrk="1" fontAlgn="auto" latinLnBrk="0" hangingPunct="1">
                         <a:lnSpc>
                           <a:spcPct val="100000"/>
@@ -4346,1230 +4189,23 @@
                         <a:tabLst/>
                         <a:defRPr/>
                       </a:pPr>
-                      <a:endParaRPr lang="en-US" sz="1200" dirty="0"/>
-                    </a:p>
-                  </a:txBody>
-                  <a:tcPr>
-                    <a:solidFill>
-                      <a:schemeClr val="accent4">
-                        <a:lumMod val="40000"/>
-                        <a:lumOff val="60000"/>
-                      </a:schemeClr>
-                    </a:solidFill>
-                  </a:tcPr>
-                </a:tc>
-                <a:extLst>
-                  <a:ext uri="{0D108BD9-81ED-4DB2-BD59-A6C34878D82A}">
-                    <a16:rowId xmlns:a16="http://schemas.microsoft.com/office/drawing/2014/main" val="2913549281"/>
-                  </a:ext>
-                </a:extLst>
-              </a:tr>
-              <a:tr h="370840">
-                <a:tc>
-                  <a:txBody>
-                    <a:bodyPr/>
-                    <a:lstStyle/>
-                    <a:p>
                       <a:r>
-                        <a:rPr lang="en-US" sz="1200" dirty="0"/>
-                        <a:t>mut2</a:t>
+                        <a:rPr kumimoji="0" lang="en-US" sz="1200" b="0" i="0" u="none" strike="noStrike" kern="1200" cap="none" spc="0" normalizeH="0" baseline="0" noProof="0" dirty="0">
+                          <a:ln>
+                            <a:noFill/>
+                          </a:ln>
+                          <a:solidFill>
+                            <a:prstClr val="black"/>
+                          </a:solidFill>
+                          <a:effectLst/>
+                          <a:uLnTx/>
+                          <a:uFillTx/>
+                          <a:latin typeface="Calibri" panose="020F0502020204030204"/>
+                          <a:ea typeface="+mn-ea"/>
+                          <a:cs typeface="+mn-cs"/>
+                        </a:rPr>
+                        <a:t>0.0</a:t>
                       </a:r>
-                    </a:p>
-                  </a:txBody>
-                  <a:tcPr/>
-                </a:tc>
-                <a:tc>
-                  <a:txBody>
-                    <a:bodyPr/>
-                    <a:lstStyle/>
-                    <a:p>
-                      <a:endParaRPr lang="en-US" sz="1200" dirty="0"/>
-                    </a:p>
-                  </a:txBody>
-                  <a:tcPr/>
-                </a:tc>
-                <a:tc>
-                  <a:txBody>
-                    <a:bodyPr/>
-                    <a:lstStyle/>
-                    <a:p>
-                      <a:pPr marL="0" algn="l" defTabSz="914400" rtl="0" eaLnBrk="1" latinLnBrk="0" hangingPunct="1"/>
-                      <a:endParaRPr lang="en-US" sz="1200" b="1" kern="1200" dirty="0">
-                        <a:solidFill>
-                          <a:schemeClr val="tx1"/>
-                        </a:solidFill>
-                        <a:latin typeface="+mn-lt"/>
-                        <a:ea typeface="+mn-ea"/>
-                        <a:cs typeface="+mn-cs"/>
-                      </a:endParaRPr>
-                    </a:p>
-                  </a:txBody>
-                  <a:tcPr>
-                    <a:solidFill>
-                      <a:schemeClr val="accent4">
-                        <a:lumMod val="40000"/>
-                        <a:lumOff val="60000"/>
-                      </a:schemeClr>
-                    </a:solidFill>
-                  </a:tcPr>
-                </a:tc>
-                <a:extLst>
-                  <a:ext uri="{0D108BD9-81ED-4DB2-BD59-A6C34878D82A}">
-                    <a16:rowId xmlns:a16="http://schemas.microsoft.com/office/drawing/2014/main" val="3610620223"/>
-                  </a:ext>
-                </a:extLst>
-              </a:tr>
-              <a:tr h="370840">
-                <a:tc>
-                  <a:txBody>
-                    <a:bodyPr/>
-                    <a:lstStyle/>
-                    <a:p>
-                      <a:r>
-                        <a:rPr lang="en-US" sz="1200" dirty="0"/>
-                        <a:t>mut3</a:t>
-                      </a:r>
-                    </a:p>
-                  </a:txBody>
-                  <a:tcPr/>
-                </a:tc>
-                <a:tc>
-                  <a:txBody>
-                    <a:bodyPr/>
-                    <a:lstStyle/>
-                    <a:p>
-                      <a:endParaRPr lang="en-US" sz="1200" dirty="0"/>
-                    </a:p>
-                  </a:txBody>
-                  <a:tcPr/>
-                </a:tc>
-                <a:tc>
-                  <a:txBody>
-                    <a:bodyPr/>
-                    <a:lstStyle/>
-                    <a:p>
-                      <a:pPr marL="0" algn="l" defTabSz="914400" rtl="0" eaLnBrk="1" latinLnBrk="0" hangingPunct="1"/>
-                      <a:endParaRPr lang="en-US" sz="1200" b="1" kern="1200" dirty="0">
-                        <a:solidFill>
-                          <a:schemeClr val="tx1"/>
-                        </a:solidFill>
-                        <a:latin typeface="+mn-lt"/>
-                        <a:ea typeface="+mn-ea"/>
-                        <a:cs typeface="+mn-cs"/>
-                      </a:endParaRPr>
-                    </a:p>
-                  </a:txBody>
-                  <a:tcPr>
-                    <a:solidFill>
-                      <a:schemeClr val="accent4">
-                        <a:lumMod val="40000"/>
-                        <a:lumOff val="60000"/>
-                      </a:schemeClr>
-                    </a:solidFill>
-                  </a:tcPr>
-                </a:tc>
-                <a:extLst>
-                  <a:ext uri="{0D108BD9-81ED-4DB2-BD59-A6C34878D82A}">
-                    <a16:rowId xmlns:a16="http://schemas.microsoft.com/office/drawing/2014/main" val="2702357084"/>
-                  </a:ext>
-                </a:extLst>
-              </a:tr>
-            </a:tbl>
-          </a:graphicData>
-        </a:graphic>
-      </p:graphicFrame>
-      <p:sp>
-        <p:nvSpPr>
-          <p:cNvPr id="26" name="Arc 25">
-            <a:extLst>
-              <a:ext uri="{FF2B5EF4-FFF2-40B4-BE49-F238E27FC236}">
-                <a16:creationId xmlns:a16="http://schemas.microsoft.com/office/drawing/2014/main" id="{2AA3C94B-2C2E-4E4E-AE2A-7B005B64AE32}"/>
-              </a:ext>
-            </a:extLst>
-          </p:cNvPr>
-          <p:cNvSpPr/>
-          <p:nvPr/>
-        </p:nvSpPr>
-        <p:spPr>
-          <a:xfrm flipH="1">
-            <a:off x="5247097" y="4122477"/>
-            <a:ext cx="713725" cy="2163129"/>
-          </a:xfrm>
-          <a:prstGeom prst="arc">
-            <a:avLst>
-              <a:gd name="adj1" fmla="val 16200000"/>
-              <a:gd name="adj2" fmla="val 21155721"/>
-            </a:avLst>
-          </a:prstGeom>
-        </p:spPr>
-        <p:style>
-          <a:lnRef idx="1">
-            <a:schemeClr val="accent1"/>
-          </a:lnRef>
-          <a:fillRef idx="0">
-            <a:schemeClr val="accent1"/>
-          </a:fillRef>
-          <a:effectRef idx="0">
-            <a:schemeClr val="accent1"/>
-          </a:effectRef>
-          <a:fontRef idx="minor">
-            <a:schemeClr val="tx1"/>
-          </a:fontRef>
-        </p:style>
-        <p:txBody>
-          <a:bodyPr rtlCol="0" anchor="ctr"/>
-          <a:lstStyle/>
-          <a:p>
-            <a:pPr algn="ctr"/>
-            <a:endParaRPr lang="en-US"/>
-          </a:p>
-        </p:txBody>
-      </p:sp>
-      <p:sp>
-        <p:nvSpPr>
-          <p:cNvPr id="27" name="Rectangle 26">
-            <a:extLst>
-              <a:ext uri="{FF2B5EF4-FFF2-40B4-BE49-F238E27FC236}">
-                <a16:creationId xmlns:a16="http://schemas.microsoft.com/office/drawing/2014/main" id="{96BED0BF-2E9C-4894-A4B5-494D7C5CF63B}"/>
-              </a:ext>
-            </a:extLst>
-          </p:cNvPr>
-          <p:cNvSpPr/>
-          <p:nvPr/>
-        </p:nvSpPr>
-        <p:spPr>
-          <a:xfrm>
-            <a:off x="4499833" y="5263641"/>
-            <a:ext cx="1427448" cy="578288"/>
-          </a:xfrm>
-          <a:prstGeom prst="rect">
-            <a:avLst/>
-          </a:prstGeom>
-        </p:spPr>
-        <p:style>
-          <a:lnRef idx="2">
-            <a:schemeClr val="accent1">
-              <a:shade val="50000"/>
-            </a:schemeClr>
-          </a:lnRef>
-          <a:fillRef idx="1">
-            <a:schemeClr val="accent1"/>
-          </a:fillRef>
-          <a:effectRef idx="0">
-            <a:schemeClr val="accent1"/>
-          </a:effectRef>
-          <a:fontRef idx="minor">
-            <a:schemeClr val="lt1"/>
-          </a:fontRef>
-        </p:style>
-        <p:txBody>
-          <a:bodyPr rtlCol="0" anchor="ctr"/>
-          <a:lstStyle/>
-          <a:p>
-            <a:pPr algn="ctr"/>
-            <a:r>
-              <a:rPr lang="en-US" dirty="0" err="1"/>
-              <a:t>RNAseq</a:t>
-            </a:r>
-            <a:endParaRPr lang="en-US" dirty="0"/>
-          </a:p>
-        </p:txBody>
-      </p:sp>
-      <p:sp>
-        <p:nvSpPr>
-          <p:cNvPr id="28" name="Arc 27">
-            <a:extLst>
-              <a:ext uri="{FF2B5EF4-FFF2-40B4-BE49-F238E27FC236}">
-                <a16:creationId xmlns:a16="http://schemas.microsoft.com/office/drawing/2014/main" id="{196CBC05-CE0A-4629-84B9-347C5FA92794}"/>
-              </a:ext>
-            </a:extLst>
-          </p:cNvPr>
-          <p:cNvSpPr/>
-          <p:nvPr/>
-        </p:nvSpPr>
-        <p:spPr>
-          <a:xfrm flipV="1">
-            <a:off x="5567018" y="397409"/>
-            <a:ext cx="1143992" cy="1641893"/>
-          </a:xfrm>
-          <a:prstGeom prst="arc">
-            <a:avLst>
-              <a:gd name="adj1" fmla="val 16200000"/>
-              <a:gd name="adj2" fmla="val 21155721"/>
-            </a:avLst>
-          </a:prstGeom>
-        </p:spPr>
-        <p:style>
-          <a:lnRef idx="1">
-            <a:schemeClr val="accent1"/>
-          </a:lnRef>
-          <a:fillRef idx="0">
-            <a:schemeClr val="accent1"/>
-          </a:fillRef>
-          <a:effectRef idx="0">
-            <a:schemeClr val="accent1"/>
-          </a:effectRef>
-          <a:fontRef idx="minor">
-            <a:schemeClr val="tx1"/>
-          </a:fontRef>
-        </p:style>
-        <p:txBody>
-          <a:bodyPr rtlCol="0" anchor="ctr"/>
-          <a:lstStyle/>
-          <a:p>
-            <a:pPr algn="ctr"/>
-            <a:endParaRPr lang="en-US"/>
-          </a:p>
-        </p:txBody>
-      </p:sp>
-      <p:sp>
-        <p:nvSpPr>
-          <p:cNvPr id="29" name="Rectangle 28">
-            <a:extLst>
-              <a:ext uri="{FF2B5EF4-FFF2-40B4-BE49-F238E27FC236}">
-                <a16:creationId xmlns:a16="http://schemas.microsoft.com/office/drawing/2014/main" id="{39E6D5B3-5AB1-40AA-ACD0-0E08F29E3B19}"/>
-              </a:ext>
-            </a:extLst>
-          </p:cNvPr>
-          <p:cNvSpPr/>
-          <p:nvPr/>
-        </p:nvSpPr>
-        <p:spPr>
-          <a:xfrm>
-            <a:off x="5855228" y="651088"/>
-            <a:ext cx="1427448" cy="578288"/>
-          </a:xfrm>
-          <a:prstGeom prst="rect">
-            <a:avLst/>
-          </a:prstGeom>
-        </p:spPr>
-        <p:style>
-          <a:lnRef idx="2">
-            <a:schemeClr val="accent1">
-              <a:shade val="50000"/>
-            </a:schemeClr>
-          </a:lnRef>
-          <a:fillRef idx="1">
-            <a:schemeClr val="accent1"/>
-          </a:fillRef>
-          <a:effectRef idx="0">
-            <a:schemeClr val="accent1"/>
-          </a:effectRef>
-          <a:fontRef idx="minor">
-            <a:schemeClr val="lt1"/>
-          </a:fontRef>
-        </p:style>
-        <p:txBody>
-          <a:bodyPr rtlCol="0" anchor="ctr"/>
-          <a:lstStyle/>
-          <a:p>
-            <a:pPr algn="ctr"/>
-            <a:r>
-              <a:rPr lang="en-US" dirty="0"/>
-              <a:t>VCF</a:t>
-            </a:r>
-          </a:p>
-        </p:txBody>
-      </p:sp>
-      <p:sp>
-        <p:nvSpPr>
-          <p:cNvPr id="32" name="TextBox 31">
-            <a:extLst>
-              <a:ext uri="{FF2B5EF4-FFF2-40B4-BE49-F238E27FC236}">
-                <a16:creationId xmlns:a16="http://schemas.microsoft.com/office/drawing/2014/main" id="{7B3A9D41-CC7D-4D41-97D8-2CAB15C22AD9}"/>
-              </a:ext>
-            </a:extLst>
-          </p:cNvPr>
-          <p:cNvSpPr txBox="1"/>
-          <p:nvPr/>
-        </p:nvSpPr>
-        <p:spPr>
-          <a:xfrm>
-            <a:off x="5303816" y="2901817"/>
-            <a:ext cx="1442513" cy="369332"/>
-          </a:xfrm>
-          <a:prstGeom prst="rect">
-            <a:avLst/>
-          </a:prstGeom>
-        </p:spPr>
-        <p:style>
-          <a:lnRef idx="2">
-            <a:schemeClr val="dk1"/>
-          </a:lnRef>
-          <a:fillRef idx="1">
-            <a:schemeClr val="lt1"/>
-          </a:fillRef>
-          <a:effectRef idx="0">
-            <a:schemeClr val="dk1"/>
-          </a:effectRef>
-          <a:fontRef idx="minor">
-            <a:schemeClr val="dk1"/>
-          </a:fontRef>
-        </p:style>
-        <p:txBody>
-          <a:bodyPr wrap="square" rtlCol="0">
-            <a:spAutoFit/>
-          </a:bodyPr>
-          <a:lstStyle/>
-          <a:p>
-            <a:pPr algn="ctr"/>
-            <a:r>
-              <a:rPr lang="en-US" dirty="0"/>
-              <a:t>Annotation</a:t>
-            </a:r>
-          </a:p>
-        </p:txBody>
-      </p:sp>
-      <p:cxnSp>
-        <p:nvCxnSpPr>
-          <p:cNvPr id="38" name="Straight Arrow Connector 37">
-            <a:extLst>
-              <a:ext uri="{FF2B5EF4-FFF2-40B4-BE49-F238E27FC236}">
-                <a16:creationId xmlns:a16="http://schemas.microsoft.com/office/drawing/2014/main" id="{29B4B4C2-9B1E-4B09-B6FE-1E1328D6DACB}"/>
-              </a:ext>
-            </a:extLst>
-          </p:cNvPr>
-          <p:cNvCxnSpPr>
-            <a:cxnSpLocks/>
-            <a:stCxn id="32" idx="0"/>
-          </p:cNvCxnSpPr>
-          <p:nvPr/>
-        </p:nvCxnSpPr>
-        <p:spPr>
-          <a:xfrm flipV="1">
-            <a:off x="6025073" y="2256019"/>
-            <a:ext cx="0" cy="645798"/>
-          </a:xfrm>
-          <a:prstGeom prst="straightConnector1">
-            <a:avLst/>
-          </a:prstGeom>
-          <a:ln>
-            <a:tailEnd type="triangle"/>
-          </a:ln>
-        </p:spPr>
-        <p:style>
-          <a:lnRef idx="1">
-            <a:schemeClr val="accent1"/>
-          </a:lnRef>
-          <a:fillRef idx="0">
-            <a:schemeClr val="accent1"/>
-          </a:fillRef>
-          <a:effectRef idx="0">
-            <a:schemeClr val="accent1"/>
-          </a:effectRef>
-          <a:fontRef idx="minor">
-            <a:schemeClr val="tx1"/>
-          </a:fontRef>
-        </p:style>
-      </p:cxnSp>
-      <p:cxnSp>
-        <p:nvCxnSpPr>
-          <p:cNvPr id="40" name="Straight Arrow Connector 39">
-            <a:extLst>
-              <a:ext uri="{FF2B5EF4-FFF2-40B4-BE49-F238E27FC236}">
-                <a16:creationId xmlns:a16="http://schemas.microsoft.com/office/drawing/2014/main" id="{6C8BF949-2D02-4564-BC9E-8C6482F4B80C}"/>
-              </a:ext>
-            </a:extLst>
-          </p:cNvPr>
-          <p:cNvCxnSpPr>
-            <a:cxnSpLocks/>
-          </p:cNvCxnSpPr>
-          <p:nvPr/>
-        </p:nvCxnSpPr>
-        <p:spPr>
-          <a:xfrm>
-            <a:off x="6025073" y="3434487"/>
-            <a:ext cx="0" cy="632618"/>
-          </a:xfrm>
-          <a:prstGeom prst="straightConnector1">
-            <a:avLst/>
-          </a:prstGeom>
-          <a:ln>
-            <a:tailEnd type="triangle"/>
-          </a:ln>
-        </p:spPr>
-        <p:style>
-          <a:lnRef idx="1">
-            <a:schemeClr val="accent1"/>
-          </a:lnRef>
-          <a:fillRef idx="0">
-            <a:schemeClr val="accent1"/>
-          </a:fillRef>
-          <a:effectRef idx="0">
-            <a:schemeClr val="accent1"/>
-          </a:effectRef>
-          <a:fontRef idx="minor">
-            <a:schemeClr val="tx1"/>
-          </a:fontRef>
-        </p:style>
-      </p:cxnSp>
-    </p:spTree>
-    <p:extLst>
-      <p:ext uri="{BB962C8B-B14F-4D97-AF65-F5344CB8AC3E}">
-        <p14:creationId xmlns:p14="http://schemas.microsoft.com/office/powerpoint/2010/main" val="813522966"/>
-      </p:ext>
-    </p:extLst>
-  </p:cSld>
-  <p:clrMapOvr>
-    <a:masterClrMapping/>
-  </p:clrMapOvr>
-</p:sld>
-</file>
-
-<file path=ppt/slides/slide2.xml><?xml version="1.0" encoding="utf-8"?>
-<p:sld xmlns:a="http://schemas.openxmlformats.org/drawingml/2006/main" xmlns:r="http://schemas.openxmlformats.org/officeDocument/2006/relationships" xmlns:p="http://schemas.openxmlformats.org/presentationml/2006/main">
-  <p:cSld>
-    <p:spTree>
-      <p:nvGrpSpPr>
-        <p:cNvPr id="1" name=""/>
-        <p:cNvGrpSpPr/>
-        <p:nvPr/>
-      </p:nvGrpSpPr>
-      <p:grpSpPr>
-        <a:xfrm>
-          <a:off x="0" y="0"/>
-          <a:ext cx="0" cy="0"/>
-          <a:chOff x="0" y="0"/>
-          <a:chExt cx="0" cy="0"/>
-        </a:xfrm>
-      </p:grpSpPr>
-      <p:sp>
-        <p:nvSpPr>
-          <p:cNvPr id="4" name="Rectangle 3">
-            <a:extLst>
-              <a:ext uri="{FF2B5EF4-FFF2-40B4-BE49-F238E27FC236}">
-                <a16:creationId xmlns:a16="http://schemas.microsoft.com/office/drawing/2014/main" id="{D161D874-4CF6-49DF-9693-390E0EE0C06B}"/>
-              </a:ext>
-            </a:extLst>
-          </p:cNvPr>
-          <p:cNvSpPr/>
-          <p:nvPr/>
-        </p:nvSpPr>
-        <p:spPr>
-          <a:xfrm>
-            <a:off x="3574102" y="697739"/>
-            <a:ext cx="1509560" cy="1641893"/>
-          </a:xfrm>
-          <a:prstGeom prst="rect">
-            <a:avLst/>
-          </a:prstGeom>
-        </p:spPr>
-        <p:style>
-          <a:lnRef idx="2">
-            <a:schemeClr val="accent6">
-              <a:shade val="50000"/>
-            </a:schemeClr>
-          </a:lnRef>
-          <a:fillRef idx="1">
-            <a:schemeClr val="accent6"/>
-          </a:fillRef>
-          <a:effectRef idx="0">
-            <a:schemeClr val="accent6"/>
-          </a:effectRef>
-          <a:fontRef idx="minor">
-            <a:schemeClr val="lt1"/>
-          </a:fontRef>
-        </p:style>
-        <p:txBody>
-          <a:bodyPr rtlCol="0" anchor="ctr"/>
-          <a:lstStyle/>
-          <a:p>
-            <a:pPr algn="ctr"/>
-            <a:r>
-              <a:rPr lang="en-US" dirty="0"/>
-              <a:t>Promoter region, annotated with its mutations</a:t>
-            </a:r>
-          </a:p>
-        </p:txBody>
-      </p:sp>
-      <p:sp>
-        <p:nvSpPr>
-          <p:cNvPr id="5" name="Rectangle 4">
-            <a:extLst>
-              <a:ext uri="{FF2B5EF4-FFF2-40B4-BE49-F238E27FC236}">
-                <a16:creationId xmlns:a16="http://schemas.microsoft.com/office/drawing/2014/main" id="{67199F92-B5B5-44CC-BD56-2F6FFCDBB0B4}"/>
-              </a:ext>
-            </a:extLst>
-          </p:cNvPr>
-          <p:cNvSpPr/>
-          <p:nvPr/>
-        </p:nvSpPr>
-        <p:spPr>
-          <a:xfrm>
-            <a:off x="6852738" y="1761344"/>
-            <a:ext cx="1427448" cy="578288"/>
-          </a:xfrm>
-          <a:prstGeom prst="rect">
-            <a:avLst/>
-          </a:prstGeom>
-        </p:spPr>
-        <p:style>
-          <a:lnRef idx="2">
-            <a:schemeClr val="accent6">
-              <a:shade val="50000"/>
-            </a:schemeClr>
-          </a:lnRef>
-          <a:fillRef idx="1">
-            <a:schemeClr val="accent6"/>
-          </a:fillRef>
-          <a:effectRef idx="0">
-            <a:schemeClr val="accent6"/>
-          </a:effectRef>
-          <a:fontRef idx="minor">
-            <a:schemeClr val="lt1"/>
-          </a:fontRef>
-        </p:style>
-        <p:txBody>
-          <a:bodyPr rtlCol="0" anchor="ctr"/>
-          <a:lstStyle/>
-          <a:p>
-            <a:pPr algn="ctr"/>
-            <a:r>
-              <a:rPr lang="en-US" dirty="0"/>
-              <a:t>Promoter</a:t>
-            </a:r>
-          </a:p>
-        </p:txBody>
-      </p:sp>
-      <p:graphicFrame>
-        <p:nvGraphicFramePr>
-          <p:cNvPr id="13" name="Table 12">
-            <a:extLst>
-              <a:ext uri="{FF2B5EF4-FFF2-40B4-BE49-F238E27FC236}">
-                <a16:creationId xmlns:a16="http://schemas.microsoft.com/office/drawing/2014/main" id="{B7B4142A-9D50-40F1-98A2-4559EA4B050B}"/>
-              </a:ext>
-            </a:extLst>
-          </p:cNvPr>
-          <p:cNvGraphicFramePr>
-            <a:graphicFrameLocks noGrp="1"/>
-          </p:cNvGraphicFramePr>
-          <p:nvPr/>
-        </p:nvGraphicFramePr>
-        <p:xfrm>
-          <a:off x="874552" y="3780281"/>
-          <a:ext cx="2481253" cy="1483360"/>
-        </p:xfrm>
-        <a:graphic>
-          <a:graphicData uri="http://schemas.openxmlformats.org/drawingml/2006/table">
-            <a:tbl>
-              <a:tblPr firstRow="1" bandRow="1">
-                <a:tableStyleId>{5940675A-B579-460E-94D1-54222C63F5DA}</a:tableStyleId>
-              </a:tblPr>
-              <a:tblGrid>
-                <a:gridCol w="651589">
-                  <a:extLst>
-                    <a:ext uri="{9D8B030D-6E8A-4147-A177-3AD203B41FA5}">
-                      <a16:colId xmlns:a16="http://schemas.microsoft.com/office/drawing/2014/main" val="2924492873"/>
-                    </a:ext>
-                  </a:extLst>
-                </a:gridCol>
-                <a:gridCol w="1829664">
-                  <a:extLst>
-                    <a:ext uri="{9D8B030D-6E8A-4147-A177-3AD203B41FA5}">
-                      <a16:colId xmlns:a16="http://schemas.microsoft.com/office/drawing/2014/main" val="925019660"/>
-                    </a:ext>
-                  </a:extLst>
-                </a:gridCol>
-              </a:tblGrid>
-              <a:tr h="370840">
-                <a:tc>
-                  <a:txBody>
-                    <a:bodyPr/>
-                    <a:lstStyle/>
-                    <a:p>
-                      <a:endParaRPr lang="en-US" sz="1200" dirty="0"/>
-                    </a:p>
-                  </a:txBody>
-                  <a:tcPr/>
-                </a:tc>
-                <a:tc>
-                  <a:txBody>
-                    <a:bodyPr/>
-                    <a:lstStyle/>
-                    <a:p>
-                      <a:r>
-                        <a:rPr lang="en-US" sz="1200" dirty="0"/>
-                        <a:t>CHROM | POS | REF | ALT</a:t>
-                      </a:r>
-                    </a:p>
-                  </a:txBody>
-                  <a:tcPr/>
-                </a:tc>
-                <a:extLst>
-                  <a:ext uri="{0D108BD9-81ED-4DB2-BD59-A6C34878D82A}">
-                    <a16:rowId xmlns:a16="http://schemas.microsoft.com/office/drawing/2014/main" val="3936872903"/>
-                  </a:ext>
-                </a:extLst>
-              </a:tr>
-              <a:tr h="370840">
-                <a:tc>
-                  <a:txBody>
-                    <a:bodyPr/>
-                    <a:lstStyle/>
-                    <a:p>
-                      <a:r>
-                        <a:rPr lang="en-US" sz="1200" dirty="0"/>
-                        <a:t>mut1</a:t>
-                      </a:r>
-                    </a:p>
-                  </a:txBody>
-                  <a:tcPr/>
-                </a:tc>
-                <a:tc>
-                  <a:txBody>
-                    <a:bodyPr/>
-                    <a:lstStyle/>
-                    <a:p>
-                      <a:endParaRPr lang="en-US" sz="1200" dirty="0"/>
-                    </a:p>
-                  </a:txBody>
-                  <a:tcPr/>
-                </a:tc>
-                <a:extLst>
-                  <a:ext uri="{0D108BD9-81ED-4DB2-BD59-A6C34878D82A}">
-                    <a16:rowId xmlns:a16="http://schemas.microsoft.com/office/drawing/2014/main" val="2913549281"/>
-                  </a:ext>
-                </a:extLst>
-              </a:tr>
-              <a:tr h="370840">
-                <a:tc>
-                  <a:txBody>
-                    <a:bodyPr/>
-                    <a:lstStyle/>
-                    <a:p>
-                      <a:r>
-                        <a:rPr lang="en-US" sz="1200" dirty="0"/>
-                        <a:t>mut2</a:t>
-                      </a:r>
-                    </a:p>
-                  </a:txBody>
-                  <a:tcPr/>
-                </a:tc>
-                <a:tc>
-                  <a:txBody>
-                    <a:bodyPr/>
-                    <a:lstStyle/>
-                    <a:p>
-                      <a:endParaRPr lang="en-US" sz="1200" dirty="0"/>
-                    </a:p>
-                  </a:txBody>
-                  <a:tcPr/>
-                </a:tc>
-                <a:extLst>
-                  <a:ext uri="{0D108BD9-81ED-4DB2-BD59-A6C34878D82A}">
-                    <a16:rowId xmlns:a16="http://schemas.microsoft.com/office/drawing/2014/main" val="3610620223"/>
-                  </a:ext>
-                </a:extLst>
-              </a:tr>
-              <a:tr h="370840">
-                <a:tc>
-                  <a:txBody>
-                    <a:bodyPr/>
-                    <a:lstStyle/>
-                    <a:p>
-                      <a:r>
-                        <a:rPr lang="en-US" sz="1200" dirty="0"/>
-                        <a:t>mut3</a:t>
-                      </a:r>
-                    </a:p>
-                  </a:txBody>
-                  <a:tcPr/>
-                </a:tc>
-                <a:tc>
-                  <a:txBody>
-                    <a:bodyPr/>
-                    <a:lstStyle/>
-                    <a:p>
-                      <a:endParaRPr lang="en-US" sz="1200" dirty="0"/>
-                    </a:p>
-                  </a:txBody>
-                  <a:tcPr/>
-                </a:tc>
-                <a:extLst>
-                  <a:ext uri="{0D108BD9-81ED-4DB2-BD59-A6C34878D82A}">
-                    <a16:rowId xmlns:a16="http://schemas.microsoft.com/office/drawing/2014/main" val="2702357084"/>
-                  </a:ext>
-                </a:extLst>
-              </a:tr>
-            </a:tbl>
-          </a:graphicData>
-        </a:graphic>
-      </p:graphicFrame>
-      <p:graphicFrame>
-        <p:nvGraphicFramePr>
-          <p:cNvPr id="14" name="Table 13">
-            <a:extLst>
-              <a:ext uri="{FF2B5EF4-FFF2-40B4-BE49-F238E27FC236}">
-                <a16:creationId xmlns:a16="http://schemas.microsoft.com/office/drawing/2014/main" id="{86AF2C8E-EA13-408D-89AE-43E38401999D}"/>
-              </a:ext>
-            </a:extLst>
-          </p:cNvPr>
-          <p:cNvGraphicFramePr>
-            <a:graphicFrameLocks noGrp="1"/>
-          </p:cNvGraphicFramePr>
-          <p:nvPr>
-            <p:extLst>
-              <p:ext uri="{D42A27DB-BD31-4B8C-83A1-F6EECF244321}">
-                <p14:modId xmlns:p14="http://schemas.microsoft.com/office/powerpoint/2010/main" val="149931358"/>
-              </p:ext>
-            </p:extLst>
-          </p:nvPr>
-        </p:nvGraphicFramePr>
-        <p:xfrm>
-          <a:off x="8494297" y="888389"/>
-          <a:ext cx="2098675" cy="1483360"/>
-        </p:xfrm>
-        <a:graphic>
-          <a:graphicData uri="http://schemas.openxmlformats.org/drawingml/2006/table">
-            <a:tbl>
-              <a:tblPr firstRow="1" bandRow="1">
-                <a:tableStyleId>{5940675A-B579-460E-94D1-54222C63F5DA}</a:tableStyleId>
-              </a:tblPr>
-              <a:tblGrid>
-                <a:gridCol w="879764">
-                  <a:extLst>
-                    <a:ext uri="{9D8B030D-6E8A-4147-A177-3AD203B41FA5}">
-                      <a16:colId xmlns:a16="http://schemas.microsoft.com/office/drawing/2014/main" val="2924492873"/>
-                    </a:ext>
-                  </a:extLst>
-                </a:gridCol>
-                <a:gridCol w="1218911">
-                  <a:extLst>
-                    <a:ext uri="{9D8B030D-6E8A-4147-A177-3AD203B41FA5}">
-                      <a16:colId xmlns:a16="http://schemas.microsoft.com/office/drawing/2014/main" val="925019660"/>
-                    </a:ext>
-                  </a:extLst>
-                </a:gridCol>
-              </a:tblGrid>
-              <a:tr h="370840">
-                <a:tc>
-                  <a:txBody>
-                    <a:bodyPr/>
-                    <a:lstStyle/>
-                    <a:p>
-                      <a:endParaRPr lang="en-US" sz="1200" dirty="0"/>
-                    </a:p>
-                  </a:txBody>
-                  <a:tcPr/>
-                </a:tc>
-                <a:tc>
-                  <a:txBody>
-                    <a:bodyPr/>
-                    <a:lstStyle/>
-                    <a:p>
-                      <a:r>
-                        <a:rPr lang="en-US" sz="1200" dirty="0"/>
-                        <a:t>Promoter</a:t>
-                      </a:r>
-                    </a:p>
-                  </a:txBody>
-                  <a:tcPr/>
-                </a:tc>
-                <a:extLst>
-                  <a:ext uri="{0D108BD9-81ED-4DB2-BD59-A6C34878D82A}">
-                    <a16:rowId xmlns:a16="http://schemas.microsoft.com/office/drawing/2014/main" val="3936872903"/>
-                  </a:ext>
-                </a:extLst>
-              </a:tr>
-              <a:tr h="370840">
-                <a:tc>
-                  <a:txBody>
-                    <a:bodyPr/>
-                    <a:lstStyle/>
-                    <a:p>
-                      <a:r>
-                        <a:rPr lang="en-US" sz="1200" dirty="0" err="1"/>
-                        <a:t>promoterA</a:t>
-                      </a:r>
-                      <a:endParaRPr lang="en-US" sz="1200" dirty="0"/>
-                    </a:p>
-                  </a:txBody>
-                  <a:tcPr/>
-                </a:tc>
-                <a:tc>
-                  <a:txBody>
-                    <a:bodyPr/>
-                    <a:lstStyle/>
-                    <a:p>
-                      <a:endParaRPr lang="en-US" sz="1200" dirty="0"/>
-                    </a:p>
-                  </a:txBody>
-                  <a:tcPr/>
-                </a:tc>
-                <a:extLst>
-                  <a:ext uri="{0D108BD9-81ED-4DB2-BD59-A6C34878D82A}">
-                    <a16:rowId xmlns:a16="http://schemas.microsoft.com/office/drawing/2014/main" val="2913549281"/>
-                  </a:ext>
-                </a:extLst>
-              </a:tr>
-              <a:tr h="370840">
-                <a:tc>
-                  <a:txBody>
-                    <a:bodyPr/>
-                    <a:lstStyle/>
-                    <a:p>
-                      <a:r>
-                        <a:rPr lang="en-US" sz="1200" dirty="0" err="1"/>
-                        <a:t>promoterB</a:t>
-                      </a:r>
-                      <a:endParaRPr lang="en-US" sz="1200" dirty="0"/>
-                    </a:p>
-                  </a:txBody>
-                  <a:tcPr/>
-                </a:tc>
-                <a:tc>
-                  <a:txBody>
-                    <a:bodyPr/>
-                    <a:lstStyle/>
-                    <a:p>
-                      <a:endParaRPr lang="en-US" sz="1200" dirty="0"/>
-                    </a:p>
-                  </a:txBody>
-                  <a:tcPr/>
-                </a:tc>
-                <a:extLst>
-                  <a:ext uri="{0D108BD9-81ED-4DB2-BD59-A6C34878D82A}">
-                    <a16:rowId xmlns:a16="http://schemas.microsoft.com/office/drawing/2014/main" val="3610620223"/>
-                  </a:ext>
-                </a:extLst>
-              </a:tr>
-              <a:tr h="370840">
-                <a:tc>
-                  <a:txBody>
-                    <a:bodyPr/>
-                    <a:lstStyle/>
-                    <a:p>
-                      <a:r>
-                        <a:rPr lang="en-US" sz="1200" dirty="0" err="1"/>
-                        <a:t>promoterC</a:t>
-                      </a:r>
-                      <a:endParaRPr lang="en-US" sz="1200" dirty="0"/>
-                    </a:p>
-                  </a:txBody>
-                  <a:tcPr/>
-                </a:tc>
-                <a:tc>
-                  <a:txBody>
-                    <a:bodyPr/>
-                    <a:lstStyle/>
-                    <a:p>
-                      <a:endParaRPr lang="en-US" sz="1200" dirty="0"/>
-                    </a:p>
-                  </a:txBody>
-                  <a:tcPr/>
-                </a:tc>
-                <a:extLst>
-                  <a:ext uri="{0D108BD9-81ED-4DB2-BD59-A6C34878D82A}">
-                    <a16:rowId xmlns:a16="http://schemas.microsoft.com/office/drawing/2014/main" val="2702357084"/>
-                  </a:ext>
-                </a:extLst>
-              </a:tr>
-            </a:tbl>
-          </a:graphicData>
-        </a:graphic>
-      </p:graphicFrame>
-      <p:cxnSp>
-        <p:nvCxnSpPr>
-          <p:cNvPr id="17" name="Straight Arrow Connector 16">
-            <a:extLst>
-              <a:ext uri="{FF2B5EF4-FFF2-40B4-BE49-F238E27FC236}">
-                <a16:creationId xmlns:a16="http://schemas.microsoft.com/office/drawing/2014/main" id="{69A0AC02-F620-4489-85F6-26BA11619F11}"/>
-              </a:ext>
-            </a:extLst>
-          </p:cNvPr>
-          <p:cNvCxnSpPr/>
-          <p:nvPr/>
-        </p:nvCxnSpPr>
-        <p:spPr>
-          <a:xfrm flipH="1">
-            <a:off x="5288127" y="2050488"/>
-            <a:ext cx="1350499" cy="0"/>
-          </a:xfrm>
-          <a:prstGeom prst="straightConnector1">
-            <a:avLst/>
-          </a:prstGeom>
-          <a:ln>
-            <a:tailEnd type="triangle"/>
-          </a:ln>
-        </p:spPr>
-        <p:style>
-          <a:lnRef idx="1">
-            <a:schemeClr val="accent1"/>
-          </a:lnRef>
-          <a:fillRef idx="0">
-            <a:schemeClr val="accent1"/>
-          </a:fillRef>
-          <a:effectRef idx="0">
-            <a:schemeClr val="accent1"/>
-          </a:effectRef>
-          <a:fontRef idx="minor">
-            <a:schemeClr val="tx1"/>
-          </a:fontRef>
-        </p:style>
-      </p:cxnSp>
-      <p:cxnSp>
-        <p:nvCxnSpPr>
-          <p:cNvPr id="19" name="Straight Arrow Connector 18">
-            <a:extLst>
-              <a:ext uri="{FF2B5EF4-FFF2-40B4-BE49-F238E27FC236}">
-                <a16:creationId xmlns:a16="http://schemas.microsoft.com/office/drawing/2014/main" id="{801E7C07-DF23-4DB7-BFB2-7F8472DCCD78}"/>
-              </a:ext>
-            </a:extLst>
-          </p:cNvPr>
-          <p:cNvCxnSpPr>
-            <a:cxnSpLocks/>
-          </p:cNvCxnSpPr>
-          <p:nvPr/>
-        </p:nvCxnSpPr>
-        <p:spPr>
-          <a:xfrm>
-            <a:off x="5281837" y="4122477"/>
-            <a:ext cx="1306970" cy="0"/>
-          </a:xfrm>
-          <a:prstGeom prst="straightConnector1">
-            <a:avLst/>
-          </a:prstGeom>
-          <a:ln>
-            <a:tailEnd type="triangle"/>
-          </a:ln>
-        </p:spPr>
-        <p:style>
-          <a:lnRef idx="1">
-            <a:schemeClr val="accent1"/>
-          </a:lnRef>
-          <a:fillRef idx="0">
-            <a:schemeClr val="accent1"/>
-          </a:fillRef>
-          <a:effectRef idx="0">
-            <a:schemeClr val="accent1"/>
-          </a:effectRef>
-          <a:fontRef idx="minor">
-            <a:schemeClr val="tx1"/>
-          </a:fontRef>
-        </p:style>
-      </p:cxnSp>
-      <p:sp>
-        <p:nvSpPr>
-          <p:cNvPr id="20" name="Rectangle 19">
-            <a:extLst>
-              <a:ext uri="{FF2B5EF4-FFF2-40B4-BE49-F238E27FC236}">
-                <a16:creationId xmlns:a16="http://schemas.microsoft.com/office/drawing/2014/main" id="{185FAA4B-07DF-42F3-959B-8EBCC3AF4BA5}"/>
-              </a:ext>
-            </a:extLst>
-          </p:cNvPr>
-          <p:cNvSpPr/>
-          <p:nvPr/>
-        </p:nvSpPr>
-        <p:spPr>
-          <a:xfrm>
-            <a:off x="3574102" y="3750796"/>
-            <a:ext cx="1505957" cy="578288"/>
-          </a:xfrm>
-          <a:prstGeom prst="rect">
-            <a:avLst/>
-          </a:prstGeom>
-        </p:spPr>
-        <p:style>
-          <a:lnRef idx="2">
-            <a:schemeClr val="accent6">
-              <a:shade val="50000"/>
-            </a:schemeClr>
-          </a:lnRef>
-          <a:fillRef idx="1">
-            <a:schemeClr val="accent6"/>
-          </a:fillRef>
-          <a:effectRef idx="0">
-            <a:schemeClr val="accent6"/>
-          </a:effectRef>
-          <a:fontRef idx="minor">
-            <a:schemeClr val="lt1"/>
-          </a:fontRef>
-        </p:style>
-        <p:txBody>
-          <a:bodyPr rtlCol="0" anchor="ctr"/>
-          <a:lstStyle/>
-          <a:p>
-            <a:pPr algn="ctr"/>
-            <a:r>
-              <a:rPr lang="en-US" dirty="0"/>
-              <a:t>VCF</a:t>
-            </a:r>
-          </a:p>
-        </p:txBody>
-      </p:sp>
-      <p:sp>
-        <p:nvSpPr>
-          <p:cNvPr id="21" name="Rectangle 20">
-            <a:extLst>
-              <a:ext uri="{FF2B5EF4-FFF2-40B4-BE49-F238E27FC236}">
-                <a16:creationId xmlns:a16="http://schemas.microsoft.com/office/drawing/2014/main" id="{2DFE57AF-59B0-4FC0-A48E-ABB17F4430F0}"/>
-              </a:ext>
-            </a:extLst>
-          </p:cNvPr>
-          <p:cNvSpPr/>
-          <p:nvPr/>
-        </p:nvSpPr>
-        <p:spPr>
-          <a:xfrm>
-            <a:off x="6837673" y="3780280"/>
-            <a:ext cx="1457578" cy="1483353"/>
-          </a:xfrm>
-          <a:prstGeom prst="rect">
-            <a:avLst/>
-          </a:prstGeom>
-        </p:spPr>
-        <p:style>
-          <a:lnRef idx="2">
-            <a:schemeClr val="accent6">
-              <a:shade val="50000"/>
-            </a:schemeClr>
-          </a:lnRef>
-          <a:fillRef idx="1">
-            <a:schemeClr val="accent6"/>
-          </a:fillRef>
-          <a:effectRef idx="0">
-            <a:schemeClr val="accent6"/>
-          </a:effectRef>
-          <a:fontRef idx="minor">
-            <a:schemeClr val="lt1"/>
-          </a:fontRef>
-        </p:style>
-        <p:txBody>
-          <a:bodyPr rtlCol="0" anchor="ctr"/>
-          <a:lstStyle/>
-          <a:p>
-            <a:pPr algn="ctr"/>
-            <a:r>
-              <a:rPr lang="en-US" dirty="0"/>
-              <a:t>Mutations, annotated with its promoter region</a:t>
-            </a:r>
-          </a:p>
-        </p:txBody>
-      </p:sp>
-      <p:graphicFrame>
-        <p:nvGraphicFramePr>
-          <p:cNvPr id="24" name="Table 23">
-            <a:extLst>
-              <a:ext uri="{FF2B5EF4-FFF2-40B4-BE49-F238E27FC236}">
-                <a16:creationId xmlns:a16="http://schemas.microsoft.com/office/drawing/2014/main" id="{3537309C-685E-4FBF-9709-7B4874EADA51}"/>
-              </a:ext>
-            </a:extLst>
-          </p:cNvPr>
-          <p:cNvGraphicFramePr>
-            <a:graphicFrameLocks noGrp="1"/>
-          </p:cNvGraphicFramePr>
-          <p:nvPr>
-            <p:extLst>
-              <p:ext uri="{D42A27DB-BD31-4B8C-83A1-F6EECF244321}">
-                <p14:modId xmlns:p14="http://schemas.microsoft.com/office/powerpoint/2010/main" val="1569733507"/>
-              </p:ext>
-            </p:extLst>
-          </p:nvPr>
-        </p:nvGraphicFramePr>
-        <p:xfrm>
-          <a:off x="154745" y="587032"/>
-          <a:ext cx="3201361" cy="1935480"/>
-        </p:xfrm>
-        <a:graphic>
-          <a:graphicData uri="http://schemas.openxmlformats.org/drawingml/2006/table">
-            <a:tbl>
-              <a:tblPr firstRow="1" bandRow="1">
-                <a:tableStyleId>{5940675A-B579-460E-94D1-54222C63F5DA}</a:tableStyleId>
-              </a:tblPr>
-              <a:tblGrid>
-                <a:gridCol w="945611">
-                  <a:extLst>
-                    <a:ext uri="{9D8B030D-6E8A-4147-A177-3AD203B41FA5}">
-                      <a16:colId xmlns:a16="http://schemas.microsoft.com/office/drawing/2014/main" val="2924492873"/>
-                    </a:ext>
-                  </a:extLst>
-                </a:gridCol>
-                <a:gridCol w="855053">
-                  <a:extLst>
-                    <a:ext uri="{9D8B030D-6E8A-4147-A177-3AD203B41FA5}">
-                      <a16:colId xmlns:a16="http://schemas.microsoft.com/office/drawing/2014/main" val="925019660"/>
-                    </a:ext>
-                  </a:extLst>
-                </a:gridCol>
-                <a:gridCol w="1400697">
-                  <a:extLst>
-                    <a:ext uri="{9D8B030D-6E8A-4147-A177-3AD203B41FA5}">
-                      <a16:colId xmlns:a16="http://schemas.microsoft.com/office/drawing/2014/main" val="2980849436"/>
-                    </a:ext>
-                  </a:extLst>
-                </a:gridCol>
-              </a:tblGrid>
-              <a:tr h="370840">
-                <a:tc>
-                  <a:txBody>
-                    <a:bodyPr/>
-                    <a:lstStyle/>
-                    <a:p>
-                      <a:endParaRPr lang="en-US" sz="1200" dirty="0"/>
-                    </a:p>
-                  </a:txBody>
-                  <a:tcPr/>
-                </a:tc>
-                <a:tc>
-                  <a:txBody>
-                    <a:bodyPr/>
-                    <a:lstStyle/>
-                    <a:p>
-                      <a:r>
-                        <a:rPr lang="en-US" sz="1200" dirty="0"/>
-                        <a:t>Promoter</a:t>
-                      </a:r>
-                    </a:p>
-                  </a:txBody>
-                  <a:tcPr/>
-                </a:tc>
-                <a:tc>
-                  <a:txBody>
-                    <a:bodyPr/>
-                    <a:lstStyle/>
-                    <a:p>
-                      <a:r>
-                        <a:rPr lang="en-US" sz="1200" dirty="0"/>
-                        <a:t>Mut</a:t>
-                      </a:r>
-                    </a:p>
-                  </a:txBody>
-                  <a:tcPr>
-                    <a:solidFill>
-                      <a:schemeClr val="accent4">
-                        <a:lumMod val="40000"/>
-                        <a:lumOff val="60000"/>
-                      </a:schemeClr>
-                    </a:solidFill>
-                  </a:tcPr>
-                </a:tc>
-                <a:extLst>
-                  <a:ext uri="{0D108BD9-81ED-4DB2-BD59-A6C34878D82A}">
-                    <a16:rowId xmlns:a16="http://schemas.microsoft.com/office/drawing/2014/main" val="3936872903"/>
-                  </a:ext>
-                </a:extLst>
-              </a:tr>
-              <a:tr h="370840">
-                <a:tc>
-                  <a:txBody>
-                    <a:bodyPr/>
-                    <a:lstStyle/>
-                    <a:p>
-                      <a:r>
-                        <a:rPr lang="en-US" sz="1200" dirty="0" err="1"/>
-                        <a:t>promoterA</a:t>
-                      </a:r>
-                      <a:endParaRPr lang="en-US" sz="1200" dirty="0"/>
-                    </a:p>
-                  </a:txBody>
-                  <a:tcPr/>
-                </a:tc>
-                <a:tc>
-                  <a:txBody>
-                    <a:bodyPr/>
-                    <a:lstStyle/>
-                    <a:p>
-                      <a:endParaRPr lang="en-US" sz="1200" dirty="0"/>
                     </a:p>
                   </a:txBody>
                   <a:tcPr/>
@@ -5597,8 +4233,21 @@
                         <a:defRPr/>
                       </a:pPr>
                       <a:r>
-                        <a:rPr lang="en-US" sz="1200" dirty="0"/>
-                        <a:t>CHROM1-POS1-REF1-ALT1; CHROM2-POS2-REF2-ALT2; etc.</a:t>
+                        <a:rPr kumimoji="0" lang="en-US" sz="1200" b="0" i="0" u="none" strike="noStrike" kern="1200" cap="none" spc="0" normalizeH="0" baseline="0" noProof="0" dirty="0">
+                          <a:ln>
+                            <a:noFill/>
+                          </a:ln>
+                          <a:solidFill>
+                            <a:prstClr val="black"/>
+                          </a:solidFill>
+                          <a:effectLst/>
+                          <a:uLnTx/>
+                          <a:uFillTx/>
+                          <a:latin typeface="Calibri" panose="020F0502020204030204"/>
+                          <a:ea typeface="+mn-ea"/>
+                          <a:cs typeface="+mn-cs"/>
+                        </a:rPr>
+                        <a:t>MUT:N</a:t>
                       </a:r>
                     </a:p>
                   </a:txBody>
@@ -5610,247 +4259,6 @@
                       </a:schemeClr>
                     </a:solidFill>
                   </a:tcPr>
-                </a:tc>
-                <a:extLst>
-                  <a:ext uri="{0D108BD9-81ED-4DB2-BD59-A6C34878D82A}">
-                    <a16:rowId xmlns:a16="http://schemas.microsoft.com/office/drawing/2014/main" val="2913549281"/>
-                  </a:ext>
-                </a:extLst>
-              </a:tr>
-              <a:tr h="370840">
-                <a:tc>
-                  <a:txBody>
-                    <a:bodyPr/>
-                    <a:lstStyle/>
-                    <a:p>
-                      <a:r>
-                        <a:rPr lang="en-US" sz="1200" dirty="0" err="1"/>
-                        <a:t>promoterB</a:t>
-                      </a:r>
-                      <a:endParaRPr lang="en-US" sz="1200" dirty="0"/>
-                    </a:p>
-                  </a:txBody>
-                  <a:tcPr/>
-                </a:tc>
-                <a:tc>
-                  <a:txBody>
-                    <a:bodyPr/>
-                    <a:lstStyle/>
-                    <a:p>
-                      <a:endParaRPr lang="en-US" sz="1200" dirty="0"/>
-                    </a:p>
-                  </a:txBody>
-                  <a:tcPr/>
-                </a:tc>
-                <a:tc>
-                  <a:txBody>
-                    <a:bodyPr/>
-                    <a:lstStyle/>
-                    <a:p>
-                      <a:endParaRPr lang="en-US" sz="1200" b="1" dirty="0"/>
-                    </a:p>
-                  </a:txBody>
-                  <a:tcPr>
-                    <a:solidFill>
-                      <a:schemeClr val="accent4">
-                        <a:lumMod val="40000"/>
-                        <a:lumOff val="60000"/>
-                      </a:schemeClr>
-                    </a:solidFill>
-                  </a:tcPr>
-                </a:tc>
-                <a:extLst>
-                  <a:ext uri="{0D108BD9-81ED-4DB2-BD59-A6C34878D82A}">
-                    <a16:rowId xmlns:a16="http://schemas.microsoft.com/office/drawing/2014/main" val="3610620223"/>
-                  </a:ext>
-                </a:extLst>
-              </a:tr>
-              <a:tr h="370840">
-                <a:tc>
-                  <a:txBody>
-                    <a:bodyPr/>
-                    <a:lstStyle/>
-                    <a:p>
-                      <a:r>
-                        <a:rPr lang="en-US" sz="1200" dirty="0" err="1"/>
-                        <a:t>promoterC</a:t>
-                      </a:r>
-                      <a:endParaRPr lang="en-US" sz="1200" dirty="0"/>
-                    </a:p>
-                  </a:txBody>
-                  <a:tcPr/>
-                </a:tc>
-                <a:tc>
-                  <a:txBody>
-                    <a:bodyPr/>
-                    <a:lstStyle/>
-                    <a:p>
-                      <a:endParaRPr lang="en-US" sz="1200"/>
-                    </a:p>
-                  </a:txBody>
-                  <a:tcPr/>
-                </a:tc>
-                <a:tc>
-                  <a:txBody>
-                    <a:bodyPr/>
-                    <a:lstStyle/>
-                    <a:p>
-                      <a:endParaRPr lang="en-US" sz="1200" b="1" dirty="0"/>
-                    </a:p>
-                  </a:txBody>
-                  <a:tcPr>
-                    <a:solidFill>
-                      <a:schemeClr val="accent4">
-                        <a:lumMod val="40000"/>
-                        <a:lumOff val="60000"/>
-                      </a:schemeClr>
-                    </a:solidFill>
-                  </a:tcPr>
-                </a:tc>
-                <a:extLst>
-                  <a:ext uri="{0D108BD9-81ED-4DB2-BD59-A6C34878D82A}">
-                    <a16:rowId xmlns:a16="http://schemas.microsoft.com/office/drawing/2014/main" val="2702357084"/>
-                  </a:ext>
-                </a:extLst>
-              </a:tr>
-            </a:tbl>
-          </a:graphicData>
-        </a:graphic>
-      </p:graphicFrame>
-      <p:graphicFrame>
-        <p:nvGraphicFramePr>
-          <p:cNvPr id="25" name="Table 24">
-            <a:extLst>
-              <a:ext uri="{FF2B5EF4-FFF2-40B4-BE49-F238E27FC236}">
-                <a16:creationId xmlns:a16="http://schemas.microsoft.com/office/drawing/2014/main" id="{313F4EB9-5897-413D-9317-3E7FC84C966B}"/>
-              </a:ext>
-            </a:extLst>
-          </p:cNvPr>
-          <p:cNvGraphicFramePr>
-            <a:graphicFrameLocks noGrp="1"/>
-          </p:cNvGraphicFramePr>
-          <p:nvPr>
-            <p:extLst>
-              <p:ext uri="{D42A27DB-BD31-4B8C-83A1-F6EECF244321}">
-                <p14:modId xmlns:p14="http://schemas.microsoft.com/office/powerpoint/2010/main" val="2824147816"/>
-              </p:ext>
-            </p:extLst>
-          </p:nvPr>
-        </p:nvGraphicFramePr>
-        <p:xfrm>
-          <a:off x="8494297" y="3780281"/>
-          <a:ext cx="3435106" cy="1483360"/>
-        </p:xfrm>
-        <a:graphic>
-          <a:graphicData uri="http://schemas.openxmlformats.org/drawingml/2006/table">
-            <a:tbl>
-              <a:tblPr firstRow="1" bandRow="1">
-                <a:tableStyleId>{5940675A-B579-460E-94D1-54222C63F5DA}</a:tableStyleId>
-              </a:tblPr>
-              <a:tblGrid>
-                <a:gridCol w="671994">
-                  <a:extLst>
-                    <a:ext uri="{9D8B030D-6E8A-4147-A177-3AD203B41FA5}">
-                      <a16:colId xmlns:a16="http://schemas.microsoft.com/office/drawing/2014/main" val="2924492873"/>
-                    </a:ext>
-                  </a:extLst>
-                </a:gridCol>
-                <a:gridCol w="1834644">
-                  <a:extLst>
-                    <a:ext uri="{9D8B030D-6E8A-4147-A177-3AD203B41FA5}">
-                      <a16:colId xmlns:a16="http://schemas.microsoft.com/office/drawing/2014/main" val="925019660"/>
-                    </a:ext>
-                  </a:extLst>
-                </a:gridCol>
-                <a:gridCol w="928468">
-                  <a:extLst>
-                    <a:ext uri="{9D8B030D-6E8A-4147-A177-3AD203B41FA5}">
-                      <a16:colId xmlns:a16="http://schemas.microsoft.com/office/drawing/2014/main" val="3341469692"/>
-                    </a:ext>
-                  </a:extLst>
-                </a:gridCol>
-              </a:tblGrid>
-              <a:tr h="370840">
-                <a:tc>
-                  <a:txBody>
-                    <a:bodyPr/>
-                    <a:lstStyle/>
-                    <a:p>
-                      <a:endParaRPr lang="en-US" sz="1200" dirty="0"/>
-                    </a:p>
-                  </a:txBody>
-                  <a:tcPr/>
-                </a:tc>
-                <a:tc>
-                  <a:txBody>
-                    <a:bodyPr/>
-                    <a:lstStyle/>
-                    <a:p>
-                      <a:r>
-                        <a:rPr lang="en-US" sz="1200" dirty="0"/>
-                        <a:t>CHROM | POS | REF | ALT</a:t>
-                      </a:r>
-                    </a:p>
-                  </a:txBody>
-                  <a:tcPr/>
-                </a:tc>
-                <a:tc>
-                  <a:txBody>
-                    <a:bodyPr/>
-                    <a:lstStyle/>
-                    <a:p>
-                      <a:pPr marL="0" algn="l" defTabSz="914400" rtl="0" eaLnBrk="1" latinLnBrk="0" hangingPunct="1"/>
-                      <a:r>
-                        <a:rPr lang="en-US" sz="1200" b="1" kern="1200" dirty="0">
-                          <a:solidFill>
-                            <a:schemeClr val="tx1"/>
-                          </a:solidFill>
-                          <a:latin typeface="+mn-lt"/>
-                          <a:ea typeface="+mn-ea"/>
-                          <a:cs typeface="+mn-cs"/>
-                        </a:rPr>
-                        <a:t>Promoter</a:t>
-                      </a:r>
-                    </a:p>
-                  </a:txBody>
-                  <a:tcPr>
-                    <a:solidFill>
-                      <a:schemeClr val="accent4">
-                        <a:lumMod val="40000"/>
-                        <a:lumOff val="60000"/>
-                      </a:schemeClr>
-                    </a:solidFill>
-                  </a:tcPr>
-                </a:tc>
-                <a:extLst>
-                  <a:ext uri="{0D108BD9-81ED-4DB2-BD59-A6C34878D82A}">
-                    <a16:rowId xmlns:a16="http://schemas.microsoft.com/office/drawing/2014/main" val="3936872903"/>
-                  </a:ext>
-                </a:extLst>
-              </a:tr>
-              <a:tr h="370840">
-                <a:tc>
-                  <a:txBody>
-                    <a:bodyPr/>
-                    <a:lstStyle/>
-                    <a:p>
-                      <a:r>
-                        <a:rPr lang="en-US" sz="1200" dirty="0"/>
-                        <a:t>mut1</a:t>
-                      </a:r>
-                    </a:p>
-                  </a:txBody>
-                  <a:tcPr/>
-                </a:tc>
-                <a:tc>
-                  <a:txBody>
-                    <a:bodyPr/>
-                    <a:lstStyle/>
-                    <a:p>
-                      <a:endParaRPr lang="en-US" sz="1200" dirty="0"/>
-                    </a:p>
-                  </a:txBody>
-                  <a:tcPr/>
                 </a:tc>
                 <a:tc>
                   <a:txBody>
@@ -5874,117 +4282,10 @@
                         <a:tabLst/>
                         <a:defRPr/>
                       </a:pPr>
-                      <a:endParaRPr lang="en-US" sz="1200" dirty="0"/>
-                    </a:p>
-                  </a:txBody>
-                  <a:tcPr>
-                    <a:solidFill>
-                      <a:schemeClr val="accent4">
-                        <a:lumMod val="40000"/>
-                        <a:lumOff val="60000"/>
-                      </a:schemeClr>
-                    </a:solidFill>
-                  </a:tcPr>
-                </a:tc>
-                <a:extLst>
-                  <a:ext uri="{0D108BD9-81ED-4DB2-BD59-A6C34878D82A}">
-                    <a16:rowId xmlns:a16="http://schemas.microsoft.com/office/drawing/2014/main" val="2913549281"/>
-                  </a:ext>
-                </a:extLst>
-              </a:tr>
-              <a:tr h="370840">
-                <a:tc>
-                  <a:txBody>
-                    <a:bodyPr/>
-                    <a:lstStyle/>
-                    <a:p>
                       <a:r>
                         <a:rPr lang="en-US" sz="1200" dirty="0"/>
-                        <a:t>mut2</a:t>
+                        <a:t>CHROM1-POS1-REF1-ALT1; CHROM2-POS2-REF2-ALT2;…N</a:t>
                       </a:r>
-                    </a:p>
-                  </a:txBody>
-                  <a:tcPr/>
-                </a:tc>
-                <a:tc>
-                  <a:txBody>
-                    <a:bodyPr/>
-                    <a:lstStyle/>
-                    <a:p>
-                      <a:endParaRPr lang="en-US" sz="1200" dirty="0"/>
-                    </a:p>
-                  </a:txBody>
-                  <a:tcPr/>
-                </a:tc>
-                <a:tc>
-                  <a:txBody>
-                    <a:bodyPr/>
-                    <a:lstStyle/>
-                    <a:p>
-                      <a:pPr marL="0" algn="l" defTabSz="914400" rtl="0" eaLnBrk="1" latinLnBrk="0" hangingPunct="1"/>
-                      <a:endParaRPr lang="en-US" sz="1200" b="1" kern="1200" dirty="0">
-                        <a:solidFill>
-                          <a:schemeClr val="tx1"/>
-                        </a:solidFill>
-                        <a:latin typeface="+mn-lt"/>
-                        <a:ea typeface="+mn-ea"/>
-                        <a:cs typeface="+mn-cs"/>
-                      </a:endParaRPr>
-                    </a:p>
-                  </a:txBody>
-                  <a:tcPr>
-                    <a:solidFill>
-                      <a:schemeClr val="accent4">
-                        <a:lumMod val="40000"/>
-                        <a:lumOff val="60000"/>
-                      </a:schemeClr>
-                    </a:solidFill>
-                  </a:tcPr>
-                </a:tc>
-                <a:extLst>
-                  <a:ext uri="{0D108BD9-81ED-4DB2-BD59-A6C34878D82A}">
-                    <a16:rowId xmlns:a16="http://schemas.microsoft.com/office/drawing/2014/main" val="3610620223"/>
-                  </a:ext>
-                </a:extLst>
-              </a:tr>
-              <a:tr h="370840">
-                <a:tc>
-                  <a:txBody>
-                    <a:bodyPr/>
-                    <a:lstStyle/>
-                    <a:p>
-                      <a:r>
-                        <a:rPr lang="en-US" sz="1200" dirty="0"/>
-                        <a:t>mut3</a:t>
-                      </a:r>
-                    </a:p>
-                  </a:txBody>
-                  <a:tcPr/>
-                </a:tc>
-                <a:tc>
-                  <a:txBody>
-                    <a:bodyPr/>
-                    <a:lstStyle/>
-                    <a:p>
-                      <a:endParaRPr lang="en-US" sz="1200" dirty="0"/>
-                    </a:p>
-                  </a:txBody>
-                  <a:tcPr/>
-                </a:tc>
-                <a:tc>
-                  <a:txBody>
-                    <a:bodyPr/>
-                    <a:lstStyle/>
-                    <a:p>
-                      <a:pPr marL="0" algn="l" defTabSz="914400" rtl="0" eaLnBrk="1" latinLnBrk="0" hangingPunct="1"/>
-                      <a:endParaRPr lang="en-US" sz="1200" b="1" kern="1200" dirty="0">
-                        <a:solidFill>
-                          <a:schemeClr val="tx1"/>
-                        </a:solidFill>
-                        <a:latin typeface="+mn-lt"/>
-                        <a:ea typeface="+mn-ea"/>
-                        <a:cs typeface="+mn-cs"/>
-                      </a:endParaRPr>
                     </a:p>
                   </a:txBody>
                   <a:tcPr>
@@ -6008,26 +4309,543 @@
       </p:graphicFrame>
       <p:sp>
         <p:nvSpPr>
-          <p:cNvPr id="26" name="Arc 25">
-            <a:extLst>
-              <a:ext uri="{FF2B5EF4-FFF2-40B4-BE49-F238E27FC236}">
-                <a16:creationId xmlns:a16="http://schemas.microsoft.com/office/drawing/2014/main" id="{2AA3C94B-2C2E-4E4E-AE2A-7B005B64AE32}"/>
-              </a:ext>
-            </a:extLst>
-          </p:cNvPr>
-          <p:cNvSpPr/>
+          <p:cNvPr id="33" name="TextBox 32">
+            <a:extLst>
+              <a:ext uri="{FF2B5EF4-FFF2-40B4-BE49-F238E27FC236}">
+                <a16:creationId xmlns:a16="http://schemas.microsoft.com/office/drawing/2014/main" id="{7F77F0CC-8B40-41DE-9C51-6121D662E7B7}"/>
+              </a:ext>
+            </a:extLst>
+          </p:cNvPr>
+          <p:cNvSpPr txBox="1"/>
           <p:nvPr/>
         </p:nvSpPr>
         <p:spPr>
-          <a:xfrm flipH="1">
-            <a:off x="5247097" y="4122477"/>
-            <a:ext cx="713725" cy="2163129"/>
+          <a:xfrm>
+            <a:off x="2527100" y="172010"/>
+            <a:ext cx="928461" cy="369332"/>
           </a:xfrm>
-          <a:prstGeom prst="arc">
-            <a:avLst>
-              <a:gd name="adj1" fmla="val 16200000"/>
-              <a:gd name="adj2" fmla="val 21155721"/>
-            </a:avLst>
+          <a:prstGeom prst="rect">
+            <a:avLst/>
+          </a:prstGeom>
+          <a:noFill/>
+        </p:spPr>
+        <p:txBody>
+          <a:bodyPr wrap="square" rtlCol="0">
+            <a:spAutoFit/>
+          </a:bodyPr>
+          <a:lstStyle/>
+          <a:p>
+            <a:pPr algn="r"/>
+            <a:r>
+              <a:rPr lang="en-US" dirty="0"/>
+              <a:t>Input</a:t>
+            </a:r>
+          </a:p>
+        </p:txBody>
+      </p:sp>
+      <p:sp>
+        <p:nvSpPr>
+          <p:cNvPr id="34" name="TextBox 33">
+            <a:extLst>
+              <a:ext uri="{FF2B5EF4-FFF2-40B4-BE49-F238E27FC236}">
+                <a16:creationId xmlns:a16="http://schemas.microsoft.com/office/drawing/2014/main" id="{12CE0364-03BF-4BD6-96B7-912897BA2594}"/>
+              </a:ext>
+            </a:extLst>
+          </p:cNvPr>
+          <p:cNvSpPr txBox="1"/>
+          <p:nvPr/>
+        </p:nvSpPr>
+        <p:spPr>
+          <a:xfrm>
+            <a:off x="3701021" y="171491"/>
+            <a:ext cx="928461" cy="369332"/>
+          </a:xfrm>
+          <a:prstGeom prst="rect">
+            <a:avLst/>
+          </a:prstGeom>
+          <a:noFill/>
+        </p:spPr>
+        <p:txBody>
+          <a:bodyPr wrap="square" rtlCol="0">
+            <a:spAutoFit/>
+          </a:bodyPr>
+          <a:lstStyle/>
+          <a:p>
+            <a:pPr algn="r"/>
+            <a:r>
+              <a:rPr lang="en-US" dirty="0"/>
+              <a:t>Input</a:t>
+            </a:r>
+          </a:p>
+        </p:txBody>
+      </p:sp>
+      <p:graphicFrame>
+        <p:nvGraphicFramePr>
+          <p:cNvPr id="36" name="Table 35">
+            <a:extLst>
+              <a:ext uri="{FF2B5EF4-FFF2-40B4-BE49-F238E27FC236}">
+                <a16:creationId xmlns:a16="http://schemas.microsoft.com/office/drawing/2014/main" id="{58744D62-0CFF-44C3-8584-9FAE0386A30A}"/>
+              </a:ext>
+            </a:extLst>
+          </p:cNvPr>
+          <p:cNvGraphicFramePr>
+            <a:graphicFrameLocks noGrp="1"/>
+          </p:cNvGraphicFramePr>
+          <p:nvPr>
+            <p:extLst>
+              <p:ext uri="{D42A27DB-BD31-4B8C-83A1-F6EECF244321}">
+                <p14:modId xmlns:p14="http://schemas.microsoft.com/office/powerpoint/2010/main" val="3472201764"/>
+              </p:ext>
+            </p:extLst>
+          </p:nvPr>
+        </p:nvGraphicFramePr>
+        <p:xfrm>
+          <a:off x="1428288" y="5169256"/>
+          <a:ext cx="4070641" cy="1354098"/>
+        </p:xfrm>
+        <a:graphic>
+          <a:graphicData uri="http://schemas.openxmlformats.org/drawingml/2006/table">
+            <a:tbl>
+              <a:tblPr firstRow="1" bandRow="1">
+                <a:tableStyleId>{5940675A-B579-460E-94D1-54222C63F5DA}</a:tableStyleId>
+              </a:tblPr>
+              <a:tblGrid>
+                <a:gridCol w="533089">
+                  <a:extLst>
+                    <a:ext uri="{9D8B030D-6E8A-4147-A177-3AD203B41FA5}">
+                      <a16:colId xmlns:a16="http://schemas.microsoft.com/office/drawing/2014/main" val="2924492873"/>
+                    </a:ext>
+                  </a:extLst>
+                </a:gridCol>
+                <a:gridCol w="682101">
+                  <a:extLst>
+                    <a:ext uri="{9D8B030D-6E8A-4147-A177-3AD203B41FA5}">
+                      <a16:colId xmlns:a16="http://schemas.microsoft.com/office/drawing/2014/main" val="925019660"/>
+                    </a:ext>
+                  </a:extLst>
+                </a:gridCol>
+                <a:gridCol w="754450">
+                  <a:extLst>
+                    <a:ext uri="{9D8B030D-6E8A-4147-A177-3AD203B41FA5}">
+                      <a16:colId xmlns:a16="http://schemas.microsoft.com/office/drawing/2014/main" val="331069389"/>
+                    </a:ext>
+                  </a:extLst>
+                </a:gridCol>
+                <a:gridCol w="422031">
+                  <a:extLst>
+                    <a:ext uri="{9D8B030D-6E8A-4147-A177-3AD203B41FA5}">
+                      <a16:colId xmlns:a16="http://schemas.microsoft.com/office/drawing/2014/main" val="1549816394"/>
+                    </a:ext>
+                  </a:extLst>
+                </a:gridCol>
+                <a:gridCol w="464234">
+                  <a:extLst>
+                    <a:ext uri="{9D8B030D-6E8A-4147-A177-3AD203B41FA5}">
+                      <a16:colId xmlns:a16="http://schemas.microsoft.com/office/drawing/2014/main" val="2422518400"/>
+                    </a:ext>
+                  </a:extLst>
+                </a:gridCol>
+                <a:gridCol w="1214736">
+                  <a:extLst>
+                    <a:ext uri="{9D8B030D-6E8A-4147-A177-3AD203B41FA5}">
+                      <a16:colId xmlns:a16="http://schemas.microsoft.com/office/drawing/2014/main" val="3560297315"/>
+                    </a:ext>
+                  </a:extLst>
+                </a:gridCol>
+              </a:tblGrid>
+              <a:tr h="266246">
+                <a:tc>
+                  <a:txBody>
+                    <a:bodyPr/>
+                    <a:lstStyle/>
+                    <a:p>
+                      <a:r>
+                        <a:rPr lang="en-US" sz="1200" dirty="0"/>
+                        <a:t>Mut</a:t>
+                      </a:r>
+                    </a:p>
+                  </a:txBody>
+                  <a:tcPr/>
+                </a:tc>
+                <a:tc>
+                  <a:txBody>
+                    <a:bodyPr/>
+                    <a:lstStyle/>
+                    <a:p>
+                      <a:r>
+                        <a:rPr lang="en-US" sz="1200" dirty="0"/>
+                        <a:t>CHROM</a:t>
+                      </a:r>
+                    </a:p>
+                  </a:txBody>
+                  <a:tcPr/>
+                </a:tc>
+                <a:tc>
+                  <a:txBody>
+                    <a:bodyPr/>
+                    <a:lstStyle/>
+                    <a:p>
+                      <a:r>
+                        <a:rPr lang="en-US" sz="1200" dirty="0"/>
+                        <a:t>POS</a:t>
+                      </a:r>
+                    </a:p>
+                  </a:txBody>
+                  <a:tcPr/>
+                </a:tc>
+                <a:tc>
+                  <a:txBody>
+                    <a:bodyPr/>
+                    <a:lstStyle/>
+                    <a:p>
+                      <a:r>
+                        <a:rPr lang="en-US" sz="1200" dirty="0"/>
+                        <a:t>REF</a:t>
+                      </a:r>
+                    </a:p>
+                  </a:txBody>
+                  <a:tcPr/>
+                </a:tc>
+                <a:tc>
+                  <a:txBody>
+                    <a:bodyPr/>
+                    <a:lstStyle/>
+                    <a:p>
+                      <a:r>
+                        <a:rPr lang="en-US" sz="1200" dirty="0"/>
+                        <a:t>ALT</a:t>
+                      </a:r>
+                    </a:p>
+                  </a:txBody>
+                  <a:tcPr/>
+                </a:tc>
+                <a:tc>
+                  <a:txBody>
+                    <a:bodyPr/>
+                    <a:lstStyle/>
+                    <a:p>
+                      <a:r>
+                        <a:rPr lang="en-US" sz="1200" b="1" dirty="0"/>
+                        <a:t>Expression</a:t>
+                      </a:r>
+                    </a:p>
+                  </a:txBody>
+                  <a:tcPr>
+                    <a:solidFill>
+                      <a:schemeClr val="accent4">
+                        <a:lumMod val="40000"/>
+                        <a:lumOff val="60000"/>
+                      </a:schemeClr>
+                    </a:solidFill>
+                  </a:tcPr>
+                </a:tc>
+                <a:extLst>
+                  <a:ext uri="{0D108BD9-81ED-4DB2-BD59-A6C34878D82A}">
+                    <a16:rowId xmlns:a16="http://schemas.microsoft.com/office/drawing/2014/main" val="3936872903"/>
+                  </a:ext>
+                </a:extLst>
+              </a:tr>
+              <a:tr h="359926">
+                <a:tc>
+                  <a:txBody>
+                    <a:bodyPr/>
+                    <a:lstStyle/>
+                    <a:p>
+                      <a:r>
+                        <a:rPr lang="en-US" sz="1200" dirty="0"/>
+                        <a:t>mut1</a:t>
+                      </a:r>
+                    </a:p>
+                  </a:txBody>
+                  <a:tcPr/>
+                </a:tc>
+                <a:tc>
+                  <a:txBody>
+                    <a:bodyPr/>
+                    <a:lstStyle/>
+                    <a:p>
+                      <a:r>
+                        <a:rPr lang="en-US" sz="1200" dirty="0"/>
+                        <a:t>1</a:t>
+                      </a:r>
+                    </a:p>
+                  </a:txBody>
+                  <a:tcPr/>
+                </a:tc>
+                <a:tc>
+                  <a:txBody>
+                    <a:bodyPr/>
+                    <a:lstStyle/>
+                    <a:p>
+                      <a:r>
+                        <a:rPr lang="en-US" sz="1200" dirty="0"/>
+                        <a:t>111111</a:t>
+                      </a:r>
+                    </a:p>
+                  </a:txBody>
+                  <a:tcPr/>
+                </a:tc>
+                <a:tc>
+                  <a:txBody>
+                    <a:bodyPr/>
+                    <a:lstStyle/>
+                    <a:p>
+                      <a:r>
+                        <a:rPr lang="en-US" sz="1200" dirty="0"/>
+                        <a:t>.</a:t>
+                      </a:r>
+                    </a:p>
+                  </a:txBody>
+                  <a:tcPr/>
+                </a:tc>
+                <a:tc>
+                  <a:txBody>
+                    <a:bodyPr/>
+                    <a:lstStyle/>
+                    <a:p>
+                      <a:r>
+                        <a:rPr lang="en-US" sz="1200" dirty="0"/>
+                        <a:t>A</a:t>
+                      </a:r>
+                    </a:p>
+                  </a:txBody>
+                  <a:tcPr/>
+                </a:tc>
+                <a:tc>
+                  <a:txBody>
+                    <a:bodyPr/>
+                    <a:lstStyle/>
+                    <a:p>
+                      <a:r>
+                        <a:rPr lang="en-US" sz="1200" dirty="0"/>
+                        <a:t>PDPN-PRDM2:0</a:t>
+                      </a:r>
+                    </a:p>
+                  </a:txBody>
+                  <a:tcPr>
+                    <a:solidFill>
+                      <a:schemeClr val="accent4">
+                        <a:lumMod val="40000"/>
+                        <a:lumOff val="60000"/>
+                      </a:schemeClr>
+                    </a:solidFill>
+                  </a:tcPr>
+                </a:tc>
+                <a:extLst>
+                  <a:ext uri="{0D108BD9-81ED-4DB2-BD59-A6C34878D82A}">
+                    <a16:rowId xmlns:a16="http://schemas.microsoft.com/office/drawing/2014/main" val="2913549281"/>
+                  </a:ext>
+                </a:extLst>
+              </a:tr>
+              <a:tr h="359926">
+                <a:tc>
+                  <a:txBody>
+                    <a:bodyPr/>
+                    <a:lstStyle/>
+                    <a:p>
+                      <a:r>
+                        <a:rPr lang="en-US" sz="1200" dirty="0"/>
+                        <a:t>mut2</a:t>
+                      </a:r>
+                    </a:p>
+                  </a:txBody>
+                  <a:tcPr/>
+                </a:tc>
+                <a:tc>
+                  <a:txBody>
+                    <a:bodyPr/>
+                    <a:lstStyle/>
+                    <a:p>
+                      <a:r>
+                        <a:rPr lang="en-US" sz="1200" dirty="0"/>
+                        <a:t>1</a:t>
+                      </a:r>
+                    </a:p>
+                  </a:txBody>
+                  <a:tcPr/>
+                </a:tc>
+                <a:tc>
+                  <a:txBody>
+                    <a:bodyPr/>
+                    <a:lstStyle/>
+                    <a:p>
+                      <a:r>
+                        <a:rPr lang="en-US" sz="1200" dirty="0"/>
+                        <a:t>111112</a:t>
+                      </a:r>
+                    </a:p>
+                  </a:txBody>
+                  <a:tcPr/>
+                </a:tc>
+                <a:tc>
+                  <a:txBody>
+                    <a:bodyPr/>
+                    <a:lstStyle/>
+                    <a:p>
+                      <a:r>
+                        <a:rPr lang="en-US" sz="1200" dirty="0"/>
+                        <a:t>.</a:t>
+                      </a:r>
+                    </a:p>
+                  </a:txBody>
+                  <a:tcPr/>
+                </a:tc>
+                <a:tc>
+                  <a:txBody>
+                    <a:bodyPr/>
+                    <a:lstStyle/>
+                    <a:p>
+                      <a:r>
+                        <a:rPr lang="en-US" sz="1200" dirty="0"/>
+                        <a:t>A</a:t>
+                      </a:r>
+                    </a:p>
+                  </a:txBody>
+                  <a:tcPr/>
+                </a:tc>
+                <a:tc>
+                  <a:txBody>
+                    <a:bodyPr/>
+                    <a:lstStyle/>
+                    <a:p>
+                      <a:r>
+                        <a:rPr lang="en-US" sz="1200" dirty="0"/>
+                        <a:t>PDPN-PRDM2:0</a:t>
+                      </a:r>
+                    </a:p>
+                  </a:txBody>
+                  <a:tcPr>
+                    <a:solidFill>
+                      <a:schemeClr val="accent4">
+                        <a:lumMod val="40000"/>
+                        <a:lumOff val="60000"/>
+                      </a:schemeClr>
+                    </a:solidFill>
+                  </a:tcPr>
+                </a:tc>
+                <a:extLst>
+                  <a:ext uri="{0D108BD9-81ED-4DB2-BD59-A6C34878D82A}">
+                    <a16:rowId xmlns:a16="http://schemas.microsoft.com/office/drawing/2014/main" val="3610620223"/>
+                  </a:ext>
+                </a:extLst>
+              </a:tr>
+              <a:tr h="359926">
+                <a:tc>
+                  <a:txBody>
+                    <a:bodyPr/>
+                    <a:lstStyle/>
+                    <a:p>
+                      <a:r>
+                        <a:rPr lang="en-US" sz="1200" dirty="0"/>
+                        <a:t>mut3</a:t>
+                      </a:r>
+                    </a:p>
+                  </a:txBody>
+                  <a:tcPr/>
+                </a:tc>
+                <a:tc>
+                  <a:txBody>
+                    <a:bodyPr/>
+                    <a:lstStyle/>
+                    <a:p>
+                      <a:r>
+                        <a:rPr lang="en-US" sz="1200" dirty="0"/>
+                        <a:t>1</a:t>
+                      </a:r>
+                    </a:p>
+                  </a:txBody>
+                  <a:tcPr/>
+                </a:tc>
+                <a:tc>
+                  <a:txBody>
+                    <a:bodyPr/>
+                    <a:lstStyle/>
+                    <a:p>
+                      <a:r>
+                        <a:rPr lang="en-US" sz="1200" dirty="0"/>
+                        <a:t>111113</a:t>
+                      </a:r>
+                    </a:p>
+                  </a:txBody>
+                  <a:tcPr/>
+                </a:tc>
+                <a:tc>
+                  <a:txBody>
+                    <a:bodyPr/>
+                    <a:lstStyle/>
+                    <a:p>
+                      <a:r>
+                        <a:rPr lang="en-US" sz="1200" dirty="0"/>
+                        <a:t>.</a:t>
+                      </a:r>
+                    </a:p>
+                  </a:txBody>
+                  <a:tcPr/>
+                </a:tc>
+                <a:tc>
+                  <a:txBody>
+                    <a:bodyPr/>
+                    <a:lstStyle/>
+                    <a:p>
+                      <a:r>
+                        <a:rPr lang="en-US" sz="1200" dirty="0"/>
+                        <a:t>A</a:t>
+                      </a:r>
+                    </a:p>
+                  </a:txBody>
+                  <a:tcPr/>
+                </a:tc>
+                <a:tc>
+                  <a:txBody>
+                    <a:bodyPr/>
+                    <a:lstStyle/>
+                    <a:p>
+                      <a:r>
+                        <a:rPr lang="en-US" sz="1200" dirty="0"/>
+                        <a:t>PDPN-PRDM2:0</a:t>
+                      </a:r>
+                    </a:p>
+                  </a:txBody>
+                  <a:tcPr>
+                    <a:solidFill>
+                      <a:schemeClr val="accent4">
+                        <a:lumMod val="40000"/>
+                        <a:lumOff val="60000"/>
+                      </a:schemeClr>
+                    </a:solidFill>
+                  </a:tcPr>
+                </a:tc>
+                <a:extLst>
+                  <a:ext uri="{0D108BD9-81ED-4DB2-BD59-A6C34878D82A}">
+                    <a16:rowId xmlns:a16="http://schemas.microsoft.com/office/drawing/2014/main" val="2702357084"/>
+                  </a:ext>
+                </a:extLst>
+              </a:tr>
+            </a:tbl>
+          </a:graphicData>
+        </a:graphic>
+      </p:graphicFrame>
+      <p:cxnSp>
+        <p:nvCxnSpPr>
+          <p:cNvPr id="41" name="Straight Connector 40">
+            <a:extLst>
+              <a:ext uri="{FF2B5EF4-FFF2-40B4-BE49-F238E27FC236}">
+                <a16:creationId xmlns:a16="http://schemas.microsoft.com/office/drawing/2014/main" id="{318F9019-1F7D-4588-B88E-CD469895CBA6}"/>
+              </a:ext>
+            </a:extLst>
+          </p:cNvPr>
+          <p:cNvCxnSpPr>
+            <a:cxnSpLocks/>
+          </p:cNvCxnSpPr>
+          <p:nvPr/>
+        </p:nvCxnSpPr>
+        <p:spPr>
+          <a:xfrm>
+            <a:off x="3450530" y="4556077"/>
+            <a:ext cx="0" cy="529391"/>
+          </a:xfrm>
+          <a:prstGeom prst="line">
+            <a:avLst/>
           </a:prstGeom>
         </p:spPr>
         <p:style>
@@ -6044,21 +4862,13 @@
             <a:schemeClr val="tx1"/>
           </a:fontRef>
         </p:style>
-        <p:txBody>
-          <a:bodyPr rtlCol="0" anchor="ctr"/>
-          <a:lstStyle/>
-          <a:p>
-            <a:pPr algn="ctr"/>
-            <a:endParaRPr lang="en-US"/>
-          </a:p>
-        </p:txBody>
-      </p:sp>
-      <p:sp>
-        <p:nvSpPr>
-          <p:cNvPr id="27" name="Rectangle 26">
-            <a:extLst>
-              <a:ext uri="{FF2B5EF4-FFF2-40B4-BE49-F238E27FC236}">
-                <a16:creationId xmlns:a16="http://schemas.microsoft.com/office/drawing/2014/main" id="{96BED0BF-2E9C-4894-A4B5-494D7C5CF63B}"/>
+      </p:cxnSp>
+      <p:sp>
+        <p:nvSpPr>
+          <p:cNvPr id="62" name="Rectangle 61">
+            <a:extLst>
+              <a:ext uri="{FF2B5EF4-FFF2-40B4-BE49-F238E27FC236}">
+                <a16:creationId xmlns:a16="http://schemas.microsoft.com/office/drawing/2014/main" id="{E283F62B-D7F3-400E-9158-B782ABA604C9}"/>
               </a:ext>
             </a:extLst>
           </p:cNvPr>
@@ -6067,8 +4877,8 @@
         </p:nvSpPr>
         <p:spPr>
           <a:xfrm>
-            <a:off x="4499833" y="5263641"/>
-            <a:ext cx="1427448" cy="578288"/>
+            <a:off x="8356738" y="438994"/>
+            <a:ext cx="1180778" cy="578288"/>
           </a:xfrm>
           <a:prstGeom prst="rect">
             <a:avLst/>
@@ -6076,68 +4886,18 @@
         </p:spPr>
         <p:style>
           <a:lnRef idx="2">
-            <a:schemeClr val="accent6">
+            <a:schemeClr val="accent1">
               <a:shade val="50000"/>
             </a:schemeClr>
           </a:lnRef>
           <a:fillRef idx="1">
-            <a:schemeClr val="accent6"/>
-          </a:fillRef>
-          <a:effectRef idx="0">
-            <a:schemeClr val="accent6"/>
-          </a:effectRef>
-          <a:fontRef idx="minor">
-            <a:schemeClr val="lt1"/>
-          </a:fontRef>
-        </p:style>
-        <p:txBody>
-          <a:bodyPr rtlCol="0" anchor="ctr"/>
-          <a:lstStyle/>
-          <a:p>
-            <a:pPr algn="ctr"/>
-            <a:r>
-              <a:rPr lang="en-US" dirty="0"/>
-              <a:t>Promoter</a:t>
-            </a:r>
-          </a:p>
-        </p:txBody>
-      </p:sp>
-      <p:sp>
-        <p:nvSpPr>
-          <p:cNvPr id="28" name="Arc 27">
-            <a:extLst>
-              <a:ext uri="{FF2B5EF4-FFF2-40B4-BE49-F238E27FC236}">
-                <a16:creationId xmlns:a16="http://schemas.microsoft.com/office/drawing/2014/main" id="{196CBC05-CE0A-4629-84B9-347C5FA92794}"/>
-              </a:ext>
-            </a:extLst>
-          </p:cNvPr>
-          <p:cNvSpPr/>
-          <p:nvPr/>
-        </p:nvSpPr>
-        <p:spPr>
-          <a:xfrm flipV="1">
-            <a:off x="5567018" y="397409"/>
-            <a:ext cx="1143992" cy="1641893"/>
-          </a:xfrm>
-          <a:prstGeom prst="arc">
-            <a:avLst>
-              <a:gd name="adj1" fmla="val 16200000"/>
-              <a:gd name="adj2" fmla="val 21155721"/>
-            </a:avLst>
-          </a:prstGeom>
-        </p:spPr>
-        <p:style>
-          <a:lnRef idx="1">
-            <a:schemeClr val="accent1"/>
-          </a:lnRef>
-          <a:fillRef idx="0">
             <a:schemeClr val="accent1"/>
           </a:fillRef>
           <a:effectRef idx="0">
             <a:schemeClr val="accent1"/>
           </a:effectRef>
           <a:fontRef idx="minor">
-            <a:schemeClr val="tx1"/>
+            <a:schemeClr val="lt1"/>
           </a:fontRef>
         </p:style>
         <p:txBody>
@@ -6145,16 +4905,19 @@
           <a:lstStyle/>
           <a:p>
             <a:pPr algn="ctr"/>
-            <a:endParaRPr lang="en-US"/>
-          </a:p>
-        </p:txBody>
-      </p:sp>
-      <p:sp>
-        <p:nvSpPr>
-          <p:cNvPr id="29" name="Rectangle 28">
-            <a:extLst>
-              <a:ext uri="{FF2B5EF4-FFF2-40B4-BE49-F238E27FC236}">
-                <a16:creationId xmlns:a16="http://schemas.microsoft.com/office/drawing/2014/main" id="{39E6D5B3-5AB1-40AA-ACD0-0E08F29E3B19}"/>
+            <a:r>
+              <a:rPr lang="en-US" dirty="0"/>
+              <a:t>annotated VCF file</a:t>
+            </a:r>
+          </a:p>
+        </p:txBody>
+      </p:sp>
+      <p:sp>
+        <p:nvSpPr>
+          <p:cNvPr id="63" name="Rectangle 62">
+            <a:extLst>
+              <a:ext uri="{FF2B5EF4-FFF2-40B4-BE49-F238E27FC236}">
+                <a16:creationId xmlns:a16="http://schemas.microsoft.com/office/drawing/2014/main" id="{6E48DA0D-C649-4380-9E75-9C3A5BE40406}"/>
               </a:ext>
             </a:extLst>
           </p:cNvPr>
@@ -6163,8 +4926,8 @@
         </p:nvSpPr>
         <p:spPr>
           <a:xfrm>
-            <a:off x="5855228" y="651088"/>
-            <a:ext cx="1427448" cy="578288"/>
+            <a:off x="8797676" y="1655831"/>
+            <a:ext cx="1457578" cy="1170864"/>
           </a:xfrm>
           <a:prstGeom prst="rect">
             <a:avLst/>
@@ -6172,15 +4935,15 @@
         </p:spPr>
         <p:style>
           <a:lnRef idx="2">
-            <a:schemeClr val="accent6">
+            <a:schemeClr val="dk1">
               <a:shade val="50000"/>
             </a:schemeClr>
           </a:lnRef>
           <a:fillRef idx="1">
-            <a:schemeClr val="accent6"/>
+            <a:schemeClr val="dk1"/>
           </a:fillRef>
           <a:effectRef idx="0">
-            <a:schemeClr val="accent6"/>
+            <a:schemeClr val="dk1"/>
           </a:effectRef>
           <a:fontRef idx="minor">
             <a:schemeClr val="lt1"/>
@@ -6192,28 +4955,39 @@
           <a:p>
             <a:pPr algn="ctr"/>
             <a:r>
+              <a:rPr lang="en-US" b="1" dirty="0"/>
+              <a:t>Python</a:t>
+            </a:r>
+          </a:p>
+          <a:p>
+            <a:pPr algn="ctr"/>
+            <a:endParaRPr lang="en-US" dirty="0"/>
+          </a:p>
+          <a:p>
+            <a:pPr algn="ctr"/>
+            <a:r>
               <a:rPr lang="en-US" dirty="0"/>
-              <a:t>VCF</a:t>
-            </a:r>
-          </a:p>
-        </p:txBody>
-      </p:sp>
-      <p:sp>
-        <p:nvSpPr>
-          <p:cNvPr id="32" name="TextBox 31">
-            <a:extLst>
-              <a:ext uri="{FF2B5EF4-FFF2-40B4-BE49-F238E27FC236}">
-                <a16:creationId xmlns:a16="http://schemas.microsoft.com/office/drawing/2014/main" id="{7B3A9D41-CC7D-4D41-97D8-2CAB15C22AD9}"/>
-              </a:ext>
-            </a:extLst>
-          </p:cNvPr>
-          <p:cNvSpPr txBox="1"/>
+              <a:t>VCF to Expression</a:t>
+            </a:r>
+          </a:p>
+        </p:txBody>
+      </p:sp>
+      <p:sp>
+        <p:nvSpPr>
+          <p:cNvPr id="64" name="Rectangle 63">
+            <a:extLst>
+              <a:ext uri="{FF2B5EF4-FFF2-40B4-BE49-F238E27FC236}">
+                <a16:creationId xmlns:a16="http://schemas.microsoft.com/office/drawing/2014/main" id="{013D2695-EE4D-4D18-82E0-282F32604438}"/>
+              </a:ext>
+            </a:extLst>
+          </p:cNvPr>
+          <p:cNvSpPr/>
           <p:nvPr/>
         </p:nvSpPr>
         <p:spPr>
           <a:xfrm>
-            <a:off x="5303816" y="2901817"/>
-            <a:ext cx="1442513" cy="369332"/>
+            <a:off x="9692996" y="438994"/>
+            <a:ext cx="944363" cy="578288"/>
           </a:xfrm>
           <a:prstGeom prst="rect">
             <a:avLst/>
@@ -6221,51 +4995,51 @@
         </p:spPr>
         <p:style>
           <a:lnRef idx="2">
-            <a:schemeClr val="dk1"/>
+            <a:schemeClr val="accent1">
+              <a:shade val="50000"/>
+            </a:schemeClr>
           </a:lnRef>
           <a:fillRef idx="1">
-            <a:schemeClr val="lt1"/>
+            <a:schemeClr val="accent1"/>
           </a:fillRef>
           <a:effectRef idx="0">
-            <a:schemeClr val="dk1"/>
+            <a:schemeClr val="accent1"/>
           </a:effectRef>
           <a:fontRef idx="minor">
-            <a:schemeClr val="dk1"/>
+            <a:schemeClr val="lt1"/>
           </a:fontRef>
         </p:style>
         <p:txBody>
-          <a:bodyPr wrap="square" rtlCol="0">
-            <a:spAutoFit/>
-          </a:bodyPr>
+          <a:bodyPr rtlCol="0" anchor="ctr"/>
           <a:lstStyle/>
           <a:p>
             <a:pPr algn="ctr"/>
             <a:r>
-              <a:rPr lang="en-US" dirty="0"/>
-              <a:t>Annotation</a:t>
-            </a:r>
+              <a:rPr lang="en-US" dirty="0" err="1"/>
+              <a:t>RNAseq</a:t>
+            </a:r>
+            <a:endParaRPr lang="en-US" dirty="0"/>
           </a:p>
         </p:txBody>
       </p:sp>
       <p:cxnSp>
         <p:nvCxnSpPr>
-          <p:cNvPr id="38" name="Straight Arrow Connector 37">
-            <a:extLst>
-              <a:ext uri="{FF2B5EF4-FFF2-40B4-BE49-F238E27FC236}">
-                <a16:creationId xmlns:a16="http://schemas.microsoft.com/office/drawing/2014/main" id="{29B4B4C2-9B1E-4B09-B6FE-1E1328D6DACB}"/>
+          <p:cNvPr id="65" name="Straight Arrow Connector 64">
+            <a:extLst>
+              <a:ext uri="{FF2B5EF4-FFF2-40B4-BE49-F238E27FC236}">
+                <a16:creationId xmlns:a16="http://schemas.microsoft.com/office/drawing/2014/main" id="{F4D4A6D7-42A2-40F6-97E7-37FD636849D5}"/>
               </a:ext>
             </a:extLst>
           </p:cNvPr>
           <p:cNvCxnSpPr>
             <a:cxnSpLocks/>
-            <a:stCxn id="32" idx="0"/>
           </p:cNvCxnSpPr>
           <p:nvPr/>
         </p:nvCxnSpPr>
         <p:spPr>
-          <a:xfrm flipV="1">
-            <a:off x="6025073" y="2256019"/>
-            <a:ext cx="0" cy="645798"/>
+          <a:xfrm>
+            <a:off x="8941358" y="1079287"/>
+            <a:ext cx="0" cy="535140"/>
           </a:xfrm>
           <a:prstGeom prst="straightConnector1">
             <a:avLst/>
@@ -6291,10 +5065,10 @@
       </p:cxnSp>
       <p:cxnSp>
         <p:nvCxnSpPr>
-          <p:cNvPr id="40" name="Straight Arrow Connector 39">
-            <a:extLst>
-              <a:ext uri="{FF2B5EF4-FFF2-40B4-BE49-F238E27FC236}">
-                <a16:creationId xmlns:a16="http://schemas.microsoft.com/office/drawing/2014/main" id="{6C8BF949-2D02-4564-BC9E-8C6482F4B80C}"/>
+          <p:cNvPr id="66" name="Straight Arrow Connector 65">
+            <a:extLst>
+              <a:ext uri="{FF2B5EF4-FFF2-40B4-BE49-F238E27FC236}">
+                <a16:creationId xmlns:a16="http://schemas.microsoft.com/office/drawing/2014/main" id="{45C9C594-82F2-40F7-975C-1F377CAE97F2}"/>
               </a:ext>
             </a:extLst>
           </p:cNvPr>
@@ -6305,8 +5079,8 @@
         </p:nvCxnSpPr>
         <p:spPr>
           <a:xfrm>
-            <a:off x="6025073" y="3434487"/>
-            <a:ext cx="0" cy="632618"/>
+            <a:off x="10165177" y="1079287"/>
+            <a:ext cx="0" cy="535140"/>
           </a:xfrm>
           <a:prstGeom prst="straightConnector1">
             <a:avLst/>
@@ -6330,10 +5104,1288 @@
           </a:fontRef>
         </p:style>
       </p:cxnSp>
+      <p:cxnSp>
+        <p:nvCxnSpPr>
+          <p:cNvPr id="67" name="Straight Arrow Connector 66">
+            <a:extLst>
+              <a:ext uri="{FF2B5EF4-FFF2-40B4-BE49-F238E27FC236}">
+                <a16:creationId xmlns:a16="http://schemas.microsoft.com/office/drawing/2014/main" id="{FC2871DA-DFCB-408C-9958-4B4A411CEEA1}"/>
+              </a:ext>
+            </a:extLst>
+          </p:cNvPr>
+          <p:cNvCxnSpPr>
+            <a:cxnSpLocks/>
+          </p:cNvCxnSpPr>
+          <p:nvPr/>
+        </p:nvCxnSpPr>
+        <p:spPr>
+          <a:xfrm>
+            <a:off x="9545564" y="2863788"/>
+            <a:ext cx="8048" cy="626082"/>
+          </a:xfrm>
+          <a:prstGeom prst="straightConnector1">
+            <a:avLst/>
+          </a:prstGeom>
+          <a:ln>
+            <a:tailEnd type="triangle"/>
+          </a:ln>
+        </p:spPr>
+        <p:style>
+          <a:lnRef idx="1">
+            <a:schemeClr val="accent1"/>
+          </a:lnRef>
+          <a:fillRef idx="0">
+            <a:schemeClr val="accent1"/>
+          </a:fillRef>
+          <a:effectRef idx="0">
+            <a:schemeClr val="accent1"/>
+          </a:effectRef>
+          <a:fontRef idx="minor">
+            <a:schemeClr val="tx1"/>
+          </a:fontRef>
+        </p:style>
+      </p:cxnSp>
+      <p:sp>
+        <p:nvSpPr>
+          <p:cNvPr id="68" name="Rectangle 67">
+            <a:extLst>
+              <a:ext uri="{FF2B5EF4-FFF2-40B4-BE49-F238E27FC236}">
+                <a16:creationId xmlns:a16="http://schemas.microsoft.com/office/drawing/2014/main" id="{72A5F8ED-5D1F-402F-8852-63BCDF092DEE}"/>
+              </a:ext>
+            </a:extLst>
+          </p:cNvPr>
+          <p:cNvSpPr/>
+          <p:nvPr/>
+        </p:nvSpPr>
+        <p:spPr>
+          <a:xfrm>
+            <a:off x="8444624" y="3546282"/>
+            <a:ext cx="2163683" cy="824177"/>
+          </a:xfrm>
+          <a:prstGeom prst="rect">
+            <a:avLst/>
+          </a:prstGeom>
+        </p:spPr>
+        <p:style>
+          <a:lnRef idx="2">
+            <a:schemeClr val="accent1">
+              <a:shade val="50000"/>
+            </a:schemeClr>
+          </a:lnRef>
+          <a:fillRef idx="1">
+            <a:schemeClr val="accent1"/>
+          </a:fillRef>
+          <a:effectRef idx="0">
+            <a:schemeClr val="accent1"/>
+          </a:effectRef>
+          <a:fontRef idx="minor">
+            <a:schemeClr val="lt1"/>
+          </a:fontRef>
+        </p:style>
+        <p:txBody>
+          <a:bodyPr rtlCol="0" anchor="ctr"/>
+          <a:lstStyle/>
+          <a:p>
+            <a:pPr algn="ctr"/>
+            <a:r>
+              <a:rPr lang="en-US" dirty="0"/>
+              <a:t>Gene expression with associated variants</a:t>
+            </a:r>
+          </a:p>
+        </p:txBody>
+      </p:sp>
+      <p:sp>
+        <p:nvSpPr>
+          <p:cNvPr id="69" name="TextBox 68">
+            <a:extLst>
+              <a:ext uri="{FF2B5EF4-FFF2-40B4-BE49-F238E27FC236}">
+                <a16:creationId xmlns:a16="http://schemas.microsoft.com/office/drawing/2014/main" id="{80454EEA-B840-44BB-965D-2C27DDC490FE}"/>
+              </a:ext>
+            </a:extLst>
+          </p:cNvPr>
+          <p:cNvSpPr txBox="1"/>
+          <p:nvPr/>
+        </p:nvSpPr>
+        <p:spPr>
+          <a:xfrm>
+            <a:off x="9791024" y="3176951"/>
+            <a:ext cx="928461" cy="369332"/>
+          </a:xfrm>
+          <a:prstGeom prst="rect">
+            <a:avLst/>
+          </a:prstGeom>
+          <a:noFill/>
+        </p:spPr>
+        <p:txBody>
+          <a:bodyPr wrap="square" rtlCol="0">
+            <a:spAutoFit/>
+          </a:bodyPr>
+          <a:lstStyle/>
+          <a:p>
+            <a:pPr algn="ctr"/>
+            <a:r>
+              <a:rPr lang="en-US" dirty="0"/>
+              <a:t>Output</a:t>
+            </a:r>
+          </a:p>
+        </p:txBody>
+      </p:sp>
+      <p:sp>
+        <p:nvSpPr>
+          <p:cNvPr id="70" name="TextBox 69">
+            <a:extLst>
+              <a:ext uri="{FF2B5EF4-FFF2-40B4-BE49-F238E27FC236}">
+                <a16:creationId xmlns:a16="http://schemas.microsoft.com/office/drawing/2014/main" id="{12F31EA9-E21D-4138-A44C-6D94F6524658}"/>
+              </a:ext>
+            </a:extLst>
+          </p:cNvPr>
+          <p:cNvSpPr txBox="1"/>
+          <p:nvPr/>
+        </p:nvSpPr>
+        <p:spPr>
+          <a:xfrm>
+            <a:off x="8617103" y="70180"/>
+            <a:ext cx="928461" cy="369332"/>
+          </a:xfrm>
+          <a:prstGeom prst="rect">
+            <a:avLst/>
+          </a:prstGeom>
+          <a:noFill/>
+        </p:spPr>
+        <p:txBody>
+          <a:bodyPr wrap="square" rtlCol="0">
+            <a:spAutoFit/>
+          </a:bodyPr>
+          <a:lstStyle/>
+          <a:p>
+            <a:pPr algn="r"/>
+            <a:r>
+              <a:rPr lang="en-US" dirty="0"/>
+              <a:t>Input</a:t>
+            </a:r>
+          </a:p>
+        </p:txBody>
+      </p:sp>
+      <p:sp>
+        <p:nvSpPr>
+          <p:cNvPr id="71" name="TextBox 70">
+            <a:extLst>
+              <a:ext uri="{FF2B5EF4-FFF2-40B4-BE49-F238E27FC236}">
+                <a16:creationId xmlns:a16="http://schemas.microsoft.com/office/drawing/2014/main" id="{E1C4A717-EE38-4E48-8310-AF9181520AAE}"/>
+              </a:ext>
+            </a:extLst>
+          </p:cNvPr>
+          <p:cNvSpPr txBox="1"/>
+          <p:nvPr/>
+        </p:nvSpPr>
+        <p:spPr>
+          <a:xfrm>
+            <a:off x="9791024" y="69661"/>
+            <a:ext cx="928461" cy="369332"/>
+          </a:xfrm>
+          <a:prstGeom prst="rect">
+            <a:avLst/>
+          </a:prstGeom>
+          <a:noFill/>
+        </p:spPr>
+        <p:txBody>
+          <a:bodyPr wrap="square" rtlCol="0">
+            <a:spAutoFit/>
+          </a:bodyPr>
+          <a:lstStyle/>
+          <a:p>
+            <a:pPr algn="r"/>
+            <a:r>
+              <a:rPr lang="en-US" dirty="0"/>
+              <a:t>Input</a:t>
+            </a:r>
+          </a:p>
+        </p:txBody>
+      </p:sp>
+      <p:cxnSp>
+        <p:nvCxnSpPr>
+          <p:cNvPr id="73" name="Straight Connector 72">
+            <a:extLst>
+              <a:ext uri="{FF2B5EF4-FFF2-40B4-BE49-F238E27FC236}">
+                <a16:creationId xmlns:a16="http://schemas.microsoft.com/office/drawing/2014/main" id="{6AD17EDA-AE59-4B08-8881-8AD11047B86B}"/>
+              </a:ext>
+            </a:extLst>
+          </p:cNvPr>
+          <p:cNvCxnSpPr>
+            <a:cxnSpLocks/>
+          </p:cNvCxnSpPr>
+          <p:nvPr/>
+        </p:nvCxnSpPr>
+        <p:spPr>
+          <a:xfrm>
+            <a:off x="9526465" y="4426111"/>
+            <a:ext cx="0" cy="529391"/>
+          </a:xfrm>
+          <a:prstGeom prst="line">
+            <a:avLst/>
+          </a:prstGeom>
+        </p:spPr>
+        <p:style>
+          <a:lnRef idx="1">
+            <a:schemeClr val="accent1"/>
+          </a:lnRef>
+          <a:fillRef idx="0">
+            <a:schemeClr val="accent1"/>
+          </a:fillRef>
+          <a:effectRef idx="0">
+            <a:schemeClr val="accent1"/>
+          </a:effectRef>
+          <a:fontRef idx="minor">
+            <a:schemeClr val="tx1"/>
+          </a:fontRef>
+        </p:style>
+      </p:cxnSp>
+      <p:sp>
+        <p:nvSpPr>
+          <p:cNvPr id="74" name="TextBox 73">
+            <a:extLst>
+              <a:ext uri="{FF2B5EF4-FFF2-40B4-BE49-F238E27FC236}">
+                <a16:creationId xmlns:a16="http://schemas.microsoft.com/office/drawing/2014/main" id="{FFAB5CD2-E20F-41DA-8235-89A138A1FF8F}"/>
+              </a:ext>
+            </a:extLst>
+          </p:cNvPr>
+          <p:cNvSpPr txBox="1"/>
+          <p:nvPr/>
+        </p:nvSpPr>
+        <p:spPr>
+          <a:xfrm>
+            <a:off x="579961" y="243154"/>
+            <a:ext cx="1261258" cy="923330"/>
+          </a:xfrm>
+          <a:prstGeom prst="rect">
+            <a:avLst/>
+          </a:prstGeom>
+        </p:spPr>
+        <p:style>
+          <a:lnRef idx="2">
+            <a:schemeClr val="dk1"/>
+          </a:lnRef>
+          <a:fillRef idx="1">
+            <a:schemeClr val="lt1"/>
+          </a:fillRef>
+          <a:effectRef idx="0">
+            <a:schemeClr val="dk1"/>
+          </a:effectRef>
+          <a:fontRef idx="minor">
+            <a:schemeClr val="dk1"/>
+          </a:fontRef>
+        </p:style>
+        <p:txBody>
+          <a:bodyPr wrap="square" rtlCol="0">
+            <a:spAutoFit/>
+          </a:bodyPr>
+          <a:lstStyle/>
+          <a:p>
+            <a:pPr algn="ctr"/>
+            <a:r>
+              <a:rPr lang="en-US" u="sng" dirty="0"/>
+              <a:t>PROCESS A</a:t>
+            </a:r>
+            <a:r>
+              <a:rPr lang="en-US" dirty="0"/>
+              <a:t>:</a:t>
+            </a:r>
+          </a:p>
+          <a:p>
+            <a:pPr algn="ctr"/>
+            <a:r>
+              <a:rPr lang="en-US" dirty="0"/>
+              <a:t>Expression to VCF</a:t>
+            </a:r>
+          </a:p>
+        </p:txBody>
+      </p:sp>
+      <p:sp>
+        <p:nvSpPr>
+          <p:cNvPr id="79" name="TextBox 78">
+            <a:extLst>
+              <a:ext uri="{FF2B5EF4-FFF2-40B4-BE49-F238E27FC236}">
+                <a16:creationId xmlns:a16="http://schemas.microsoft.com/office/drawing/2014/main" id="{F8A2B92F-81F6-405A-8BDB-20830C196261}"/>
+              </a:ext>
+            </a:extLst>
+          </p:cNvPr>
+          <p:cNvSpPr txBox="1"/>
+          <p:nvPr/>
+        </p:nvSpPr>
+        <p:spPr>
+          <a:xfrm>
+            <a:off x="6679677" y="243154"/>
+            <a:ext cx="1347842" cy="923330"/>
+          </a:xfrm>
+          <a:prstGeom prst="rect">
+            <a:avLst/>
+          </a:prstGeom>
+        </p:spPr>
+        <p:style>
+          <a:lnRef idx="2">
+            <a:schemeClr val="dk1"/>
+          </a:lnRef>
+          <a:fillRef idx="1">
+            <a:schemeClr val="lt1"/>
+          </a:fillRef>
+          <a:effectRef idx="0">
+            <a:schemeClr val="dk1"/>
+          </a:effectRef>
+          <a:fontRef idx="minor">
+            <a:schemeClr val="dk1"/>
+          </a:fontRef>
+        </p:style>
+        <p:txBody>
+          <a:bodyPr wrap="square" rtlCol="0">
+            <a:spAutoFit/>
+          </a:bodyPr>
+          <a:lstStyle/>
+          <a:p>
+            <a:pPr algn="ctr"/>
+            <a:r>
+              <a:rPr lang="en-US" u="sng" dirty="0"/>
+              <a:t>PROCESS B</a:t>
+            </a:r>
+            <a:r>
+              <a:rPr lang="en-US" dirty="0"/>
+              <a:t>:</a:t>
+            </a:r>
+          </a:p>
+          <a:p>
+            <a:pPr algn="ctr"/>
+            <a:r>
+              <a:rPr lang="en-US" dirty="0"/>
+              <a:t>VCF to Expression</a:t>
+            </a:r>
+          </a:p>
+        </p:txBody>
+      </p:sp>
+      <p:cxnSp>
+        <p:nvCxnSpPr>
+          <p:cNvPr id="81" name="Straight Connector 80">
+            <a:extLst>
+              <a:ext uri="{FF2B5EF4-FFF2-40B4-BE49-F238E27FC236}">
+                <a16:creationId xmlns:a16="http://schemas.microsoft.com/office/drawing/2014/main" id="{E071B792-10DD-4546-A107-E6D9F1042C56}"/>
+              </a:ext>
+            </a:extLst>
+          </p:cNvPr>
+          <p:cNvCxnSpPr/>
+          <p:nvPr/>
+        </p:nvCxnSpPr>
+        <p:spPr>
+          <a:xfrm>
+            <a:off x="6288258" y="829968"/>
+            <a:ext cx="0" cy="4797109"/>
+          </a:xfrm>
+          <a:prstGeom prst="line">
+            <a:avLst/>
+          </a:prstGeom>
+        </p:spPr>
+        <p:style>
+          <a:lnRef idx="1">
+            <a:schemeClr val="accent1"/>
+          </a:lnRef>
+          <a:fillRef idx="0">
+            <a:schemeClr val="accent1"/>
+          </a:fillRef>
+          <a:effectRef idx="0">
+            <a:schemeClr val="accent1"/>
+          </a:effectRef>
+          <a:fontRef idx="minor">
+            <a:schemeClr val="tx1"/>
+          </a:fontRef>
+        </p:style>
+      </p:cxnSp>
     </p:spTree>
     <p:extLst>
       <p:ext uri="{BB962C8B-B14F-4D97-AF65-F5344CB8AC3E}">
-        <p14:creationId xmlns:p14="http://schemas.microsoft.com/office/powerpoint/2010/main" val="2505784643"/>
+        <p14:creationId xmlns:p14="http://schemas.microsoft.com/office/powerpoint/2010/main" val="2927486402"/>
+      </p:ext>
+    </p:extLst>
+  </p:cSld>
+  <p:clrMapOvr>
+    <a:masterClrMapping/>
+  </p:clrMapOvr>
+</p:sld>
+</file>
+
+<file path=ppt/slides/slide2.xml><?xml version="1.0" encoding="utf-8"?>
+<p:sld xmlns:a="http://schemas.openxmlformats.org/drawingml/2006/main" xmlns:r="http://schemas.openxmlformats.org/officeDocument/2006/relationships" xmlns:p="http://schemas.openxmlformats.org/presentationml/2006/main">
+  <p:cSld>
+    <p:spTree>
+      <p:nvGrpSpPr>
+        <p:cNvPr id="1" name=""/>
+        <p:cNvGrpSpPr/>
+        <p:nvPr/>
+      </p:nvGrpSpPr>
+      <p:grpSpPr>
+        <a:xfrm>
+          <a:off x="0" y="0"/>
+          <a:ext cx="0" cy="0"/>
+          <a:chOff x="0" y="0"/>
+          <a:chExt cx="0" cy="0"/>
+        </a:xfrm>
+      </p:grpSpPr>
+      <p:sp>
+        <p:nvSpPr>
+          <p:cNvPr id="16" name="Rectangle 15">
+            <a:extLst>
+              <a:ext uri="{FF2B5EF4-FFF2-40B4-BE49-F238E27FC236}">
+                <a16:creationId xmlns:a16="http://schemas.microsoft.com/office/drawing/2014/main" id="{179964BF-89E7-4487-9CFA-05BBDCCF9A2E}"/>
+              </a:ext>
+            </a:extLst>
+          </p:cNvPr>
+          <p:cNvSpPr/>
+          <p:nvPr/>
+        </p:nvSpPr>
+        <p:spPr>
+          <a:xfrm>
+            <a:off x="2860141" y="530694"/>
+            <a:ext cx="1180778" cy="578288"/>
+          </a:xfrm>
+          <a:prstGeom prst="rect">
+            <a:avLst/>
+          </a:prstGeom>
+        </p:spPr>
+        <p:style>
+          <a:lnRef idx="2">
+            <a:schemeClr val="accent6">
+              <a:shade val="50000"/>
+            </a:schemeClr>
+          </a:lnRef>
+          <a:fillRef idx="1">
+            <a:schemeClr val="accent6"/>
+          </a:fillRef>
+          <a:effectRef idx="0">
+            <a:schemeClr val="accent6"/>
+          </a:effectRef>
+          <a:fontRef idx="minor">
+            <a:schemeClr val="lt1"/>
+          </a:fontRef>
+        </p:style>
+        <p:txBody>
+          <a:bodyPr rtlCol="0" anchor="ctr"/>
+          <a:lstStyle/>
+          <a:p>
+            <a:pPr algn="ctr"/>
+            <a:r>
+              <a:rPr lang="en-US" dirty="0"/>
+              <a:t>VCF file</a:t>
+            </a:r>
+          </a:p>
+        </p:txBody>
+      </p:sp>
+      <p:sp>
+        <p:nvSpPr>
+          <p:cNvPr id="17" name="Rectangle 16">
+            <a:extLst>
+              <a:ext uri="{FF2B5EF4-FFF2-40B4-BE49-F238E27FC236}">
+                <a16:creationId xmlns:a16="http://schemas.microsoft.com/office/drawing/2014/main" id="{DBB054F6-4566-40CA-9B5F-335B55B4B904}"/>
+              </a:ext>
+            </a:extLst>
+          </p:cNvPr>
+          <p:cNvSpPr/>
+          <p:nvPr/>
+        </p:nvSpPr>
+        <p:spPr>
+          <a:xfrm>
+            <a:off x="2354621" y="1757661"/>
+            <a:ext cx="2139538" cy="1170864"/>
+          </a:xfrm>
+          <a:prstGeom prst="rect">
+            <a:avLst/>
+          </a:prstGeom>
+        </p:spPr>
+        <p:style>
+          <a:lnRef idx="2">
+            <a:schemeClr val="dk1">
+              <a:shade val="50000"/>
+            </a:schemeClr>
+          </a:lnRef>
+          <a:fillRef idx="1">
+            <a:schemeClr val="dk1"/>
+          </a:fillRef>
+          <a:effectRef idx="0">
+            <a:schemeClr val="dk1"/>
+          </a:effectRef>
+          <a:fontRef idx="minor">
+            <a:schemeClr val="lt1"/>
+          </a:fontRef>
+        </p:style>
+        <p:txBody>
+          <a:bodyPr rtlCol="0" anchor="ctr"/>
+          <a:lstStyle/>
+          <a:p>
+            <a:pPr algn="ctr"/>
+            <a:r>
+              <a:rPr lang="en-US" b="1" dirty="0"/>
+              <a:t>Python</a:t>
+            </a:r>
+          </a:p>
+          <a:p>
+            <a:pPr algn="ctr"/>
+            <a:endParaRPr lang="en-US" dirty="0"/>
+          </a:p>
+          <a:p>
+            <a:pPr algn="ctr"/>
+            <a:r>
+              <a:rPr lang="en-US" dirty="0"/>
+              <a:t>VCF to promoter annotation file</a:t>
+            </a:r>
+          </a:p>
+        </p:txBody>
+      </p:sp>
+      <p:cxnSp>
+        <p:nvCxnSpPr>
+          <p:cNvPr id="19" name="Straight Arrow Connector 18">
+            <a:extLst>
+              <a:ext uri="{FF2B5EF4-FFF2-40B4-BE49-F238E27FC236}">
+                <a16:creationId xmlns:a16="http://schemas.microsoft.com/office/drawing/2014/main" id="{B400CA45-00C7-491C-9A1D-C0823C466D9D}"/>
+              </a:ext>
+            </a:extLst>
+          </p:cNvPr>
+          <p:cNvCxnSpPr>
+            <a:cxnSpLocks/>
+          </p:cNvCxnSpPr>
+          <p:nvPr/>
+        </p:nvCxnSpPr>
+        <p:spPr>
+          <a:xfrm>
+            <a:off x="3444761" y="1170987"/>
+            <a:ext cx="0" cy="535140"/>
+          </a:xfrm>
+          <a:prstGeom prst="straightConnector1">
+            <a:avLst/>
+          </a:prstGeom>
+          <a:ln>
+            <a:tailEnd type="triangle"/>
+          </a:ln>
+        </p:spPr>
+        <p:style>
+          <a:lnRef idx="1">
+            <a:schemeClr val="accent1"/>
+          </a:lnRef>
+          <a:fillRef idx="0">
+            <a:schemeClr val="accent1"/>
+          </a:fillRef>
+          <a:effectRef idx="0">
+            <a:schemeClr val="accent1"/>
+          </a:effectRef>
+          <a:fontRef idx="minor">
+            <a:schemeClr val="tx1"/>
+          </a:fontRef>
+        </p:style>
+      </p:cxnSp>
+      <p:cxnSp>
+        <p:nvCxnSpPr>
+          <p:cNvPr id="21" name="Straight Arrow Connector 20">
+            <a:extLst>
+              <a:ext uri="{FF2B5EF4-FFF2-40B4-BE49-F238E27FC236}">
+                <a16:creationId xmlns:a16="http://schemas.microsoft.com/office/drawing/2014/main" id="{45FC4075-0AAB-44B4-9C1D-E73BAE009CE4}"/>
+              </a:ext>
+            </a:extLst>
+          </p:cNvPr>
+          <p:cNvCxnSpPr>
+            <a:cxnSpLocks/>
+          </p:cNvCxnSpPr>
+          <p:nvPr/>
+        </p:nvCxnSpPr>
+        <p:spPr>
+          <a:xfrm>
+            <a:off x="3455561" y="2965618"/>
+            <a:ext cx="8048" cy="626082"/>
+          </a:xfrm>
+          <a:prstGeom prst="straightConnector1">
+            <a:avLst/>
+          </a:prstGeom>
+          <a:ln>
+            <a:tailEnd type="triangle"/>
+          </a:ln>
+        </p:spPr>
+        <p:style>
+          <a:lnRef idx="1">
+            <a:schemeClr val="accent1"/>
+          </a:lnRef>
+          <a:fillRef idx="0">
+            <a:schemeClr val="accent1"/>
+          </a:fillRef>
+          <a:effectRef idx="0">
+            <a:schemeClr val="accent1"/>
+          </a:effectRef>
+          <a:fontRef idx="minor">
+            <a:schemeClr val="tx1"/>
+          </a:fontRef>
+        </p:style>
+      </p:cxnSp>
+      <p:sp>
+        <p:nvSpPr>
+          <p:cNvPr id="22" name="Rectangle 21">
+            <a:extLst>
+              <a:ext uri="{FF2B5EF4-FFF2-40B4-BE49-F238E27FC236}">
+                <a16:creationId xmlns:a16="http://schemas.microsoft.com/office/drawing/2014/main" id="{9F2F2B7F-DC73-417A-BEC5-568C3770D608}"/>
+              </a:ext>
+            </a:extLst>
+          </p:cNvPr>
+          <p:cNvSpPr/>
+          <p:nvPr/>
+        </p:nvSpPr>
+        <p:spPr>
+          <a:xfrm>
+            <a:off x="2354621" y="3648112"/>
+            <a:ext cx="2163683" cy="824177"/>
+          </a:xfrm>
+          <a:prstGeom prst="rect">
+            <a:avLst/>
+          </a:prstGeom>
+        </p:spPr>
+        <p:style>
+          <a:lnRef idx="2">
+            <a:schemeClr val="accent6">
+              <a:shade val="50000"/>
+            </a:schemeClr>
+          </a:lnRef>
+          <a:fillRef idx="1">
+            <a:schemeClr val="accent6"/>
+          </a:fillRef>
+          <a:effectRef idx="0">
+            <a:schemeClr val="accent6"/>
+          </a:effectRef>
+          <a:fontRef idx="minor">
+            <a:schemeClr val="lt1"/>
+          </a:fontRef>
+        </p:style>
+        <p:txBody>
+          <a:bodyPr rtlCol="0" anchor="ctr"/>
+          <a:lstStyle/>
+          <a:p>
+            <a:pPr algn="ctr"/>
+            <a:r>
+              <a:rPr lang="en-US" dirty="0"/>
+              <a:t>Variants associated with promoter</a:t>
+            </a:r>
+          </a:p>
+        </p:txBody>
+      </p:sp>
+      <p:sp>
+        <p:nvSpPr>
+          <p:cNvPr id="23" name="TextBox 22">
+            <a:extLst>
+              <a:ext uri="{FF2B5EF4-FFF2-40B4-BE49-F238E27FC236}">
+                <a16:creationId xmlns:a16="http://schemas.microsoft.com/office/drawing/2014/main" id="{A17B0FD3-B772-4CB8-BF30-F253F38EC984}"/>
+              </a:ext>
+            </a:extLst>
+          </p:cNvPr>
+          <p:cNvSpPr txBox="1"/>
+          <p:nvPr/>
+        </p:nvSpPr>
+        <p:spPr>
+          <a:xfrm>
+            <a:off x="3701021" y="3278781"/>
+            <a:ext cx="928461" cy="369332"/>
+          </a:xfrm>
+          <a:prstGeom prst="rect">
+            <a:avLst/>
+          </a:prstGeom>
+          <a:noFill/>
+        </p:spPr>
+        <p:txBody>
+          <a:bodyPr wrap="square" rtlCol="0">
+            <a:spAutoFit/>
+          </a:bodyPr>
+          <a:lstStyle/>
+          <a:p>
+            <a:pPr algn="ctr"/>
+            <a:r>
+              <a:rPr lang="en-US" dirty="0"/>
+              <a:t>Output</a:t>
+            </a:r>
+          </a:p>
+        </p:txBody>
+      </p:sp>
+      <p:sp>
+        <p:nvSpPr>
+          <p:cNvPr id="33" name="TextBox 32">
+            <a:extLst>
+              <a:ext uri="{FF2B5EF4-FFF2-40B4-BE49-F238E27FC236}">
+                <a16:creationId xmlns:a16="http://schemas.microsoft.com/office/drawing/2014/main" id="{7F77F0CC-8B40-41DE-9C51-6121D662E7B7}"/>
+              </a:ext>
+            </a:extLst>
+          </p:cNvPr>
+          <p:cNvSpPr txBox="1"/>
+          <p:nvPr/>
+        </p:nvSpPr>
+        <p:spPr>
+          <a:xfrm>
+            <a:off x="3120506" y="161880"/>
+            <a:ext cx="928461" cy="369332"/>
+          </a:xfrm>
+          <a:prstGeom prst="rect">
+            <a:avLst/>
+          </a:prstGeom>
+          <a:noFill/>
+        </p:spPr>
+        <p:txBody>
+          <a:bodyPr wrap="square" rtlCol="0">
+            <a:spAutoFit/>
+          </a:bodyPr>
+          <a:lstStyle/>
+          <a:p>
+            <a:pPr algn="r"/>
+            <a:r>
+              <a:rPr lang="en-US" dirty="0"/>
+              <a:t>Input</a:t>
+            </a:r>
+          </a:p>
+        </p:txBody>
+      </p:sp>
+      <p:graphicFrame>
+        <p:nvGraphicFramePr>
+          <p:cNvPr id="36" name="Table 35">
+            <a:extLst>
+              <a:ext uri="{FF2B5EF4-FFF2-40B4-BE49-F238E27FC236}">
+                <a16:creationId xmlns:a16="http://schemas.microsoft.com/office/drawing/2014/main" id="{58744D62-0CFF-44C3-8584-9FAE0386A30A}"/>
+              </a:ext>
+            </a:extLst>
+          </p:cNvPr>
+          <p:cNvGraphicFramePr>
+            <a:graphicFrameLocks noGrp="1"/>
+          </p:cNvGraphicFramePr>
+          <p:nvPr>
+            <p:extLst>
+              <p:ext uri="{D42A27DB-BD31-4B8C-83A1-F6EECF244321}">
+                <p14:modId xmlns:p14="http://schemas.microsoft.com/office/powerpoint/2010/main" val="1510567776"/>
+              </p:ext>
+            </p:extLst>
+          </p:nvPr>
+        </p:nvGraphicFramePr>
+        <p:xfrm>
+          <a:off x="1076596" y="5258513"/>
+          <a:ext cx="4774026" cy="1354098"/>
+        </p:xfrm>
+        <a:graphic>
+          <a:graphicData uri="http://schemas.openxmlformats.org/drawingml/2006/table">
+            <a:tbl>
+              <a:tblPr firstRow="1" bandRow="1">
+                <a:tableStyleId>{5940675A-B579-460E-94D1-54222C63F5DA}</a:tableStyleId>
+              </a:tblPr>
+              <a:tblGrid>
+                <a:gridCol w="533089">
+                  <a:extLst>
+                    <a:ext uri="{9D8B030D-6E8A-4147-A177-3AD203B41FA5}">
+                      <a16:colId xmlns:a16="http://schemas.microsoft.com/office/drawing/2014/main" val="2924492873"/>
+                    </a:ext>
+                  </a:extLst>
+                </a:gridCol>
+                <a:gridCol w="682101">
+                  <a:extLst>
+                    <a:ext uri="{9D8B030D-6E8A-4147-A177-3AD203B41FA5}">
+                      <a16:colId xmlns:a16="http://schemas.microsoft.com/office/drawing/2014/main" val="925019660"/>
+                    </a:ext>
+                  </a:extLst>
+                </a:gridCol>
+                <a:gridCol w="754450">
+                  <a:extLst>
+                    <a:ext uri="{9D8B030D-6E8A-4147-A177-3AD203B41FA5}">
+                      <a16:colId xmlns:a16="http://schemas.microsoft.com/office/drawing/2014/main" val="331069389"/>
+                    </a:ext>
+                  </a:extLst>
+                </a:gridCol>
+                <a:gridCol w="422031">
+                  <a:extLst>
+                    <a:ext uri="{9D8B030D-6E8A-4147-A177-3AD203B41FA5}">
+                      <a16:colId xmlns:a16="http://schemas.microsoft.com/office/drawing/2014/main" val="1549816394"/>
+                    </a:ext>
+                  </a:extLst>
+                </a:gridCol>
+                <a:gridCol w="464234">
+                  <a:extLst>
+                    <a:ext uri="{9D8B030D-6E8A-4147-A177-3AD203B41FA5}">
+                      <a16:colId xmlns:a16="http://schemas.microsoft.com/office/drawing/2014/main" val="2422518400"/>
+                    </a:ext>
+                  </a:extLst>
+                </a:gridCol>
+                <a:gridCol w="1918121">
+                  <a:extLst>
+                    <a:ext uri="{9D8B030D-6E8A-4147-A177-3AD203B41FA5}">
+                      <a16:colId xmlns:a16="http://schemas.microsoft.com/office/drawing/2014/main" val="3560297315"/>
+                    </a:ext>
+                  </a:extLst>
+                </a:gridCol>
+              </a:tblGrid>
+              <a:tr h="266246">
+                <a:tc>
+                  <a:txBody>
+                    <a:bodyPr/>
+                    <a:lstStyle/>
+                    <a:p>
+                      <a:r>
+                        <a:rPr lang="en-US" sz="1200" dirty="0"/>
+                        <a:t>Mut</a:t>
+                      </a:r>
+                    </a:p>
+                  </a:txBody>
+                  <a:tcPr/>
+                </a:tc>
+                <a:tc>
+                  <a:txBody>
+                    <a:bodyPr/>
+                    <a:lstStyle/>
+                    <a:p>
+                      <a:r>
+                        <a:rPr lang="en-US" sz="1200" dirty="0"/>
+                        <a:t>CHROM</a:t>
+                      </a:r>
+                    </a:p>
+                  </a:txBody>
+                  <a:tcPr/>
+                </a:tc>
+                <a:tc>
+                  <a:txBody>
+                    <a:bodyPr/>
+                    <a:lstStyle/>
+                    <a:p>
+                      <a:r>
+                        <a:rPr lang="en-US" sz="1200" dirty="0"/>
+                        <a:t>POS</a:t>
+                      </a:r>
+                    </a:p>
+                  </a:txBody>
+                  <a:tcPr/>
+                </a:tc>
+                <a:tc>
+                  <a:txBody>
+                    <a:bodyPr/>
+                    <a:lstStyle/>
+                    <a:p>
+                      <a:r>
+                        <a:rPr lang="en-US" sz="1200" dirty="0"/>
+                        <a:t>REF</a:t>
+                      </a:r>
+                    </a:p>
+                  </a:txBody>
+                  <a:tcPr/>
+                </a:tc>
+                <a:tc>
+                  <a:txBody>
+                    <a:bodyPr/>
+                    <a:lstStyle/>
+                    <a:p>
+                      <a:r>
+                        <a:rPr lang="en-US" sz="1200" dirty="0"/>
+                        <a:t>ALT</a:t>
+                      </a:r>
+                    </a:p>
+                  </a:txBody>
+                  <a:tcPr/>
+                </a:tc>
+                <a:tc>
+                  <a:txBody>
+                    <a:bodyPr/>
+                    <a:lstStyle/>
+                    <a:p>
+                      <a:r>
+                        <a:rPr lang="en-US" sz="1200" b="1" dirty="0"/>
+                        <a:t>Promoter</a:t>
+                      </a:r>
+                    </a:p>
+                  </a:txBody>
+                  <a:tcPr>
+                    <a:solidFill>
+                      <a:schemeClr val="accent4">
+                        <a:lumMod val="40000"/>
+                        <a:lumOff val="60000"/>
+                      </a:schemeClr>
+                    </a:solidFill>
+                  </a:tcPr>
+                </a:tc>
+                <a:extLst>
+                  <a:ext uri="{0D108BD9-81ED-4DB2-BD59-A6C34878D82A}">
+                    <a16:rowId xmlns:a16="http://schemas.microsoft.com/office/drawing/2014/main" val="3936872903"/>
+                  </a:ext>
+                </a:extLst>
+              </a:tr>
+              <a:tr h="359926">
+                <a:tc>
+                  <a:txBody>
+                    <a:bodyPr/>
+                    <a:lstStyle/>
+                    <a:p>
+                      <a:r>
+                        <a:rPr lang="en-US" sz="1200" dirty="0"/>
+                        <a:t>mut1</a:t>
+                      </a:r>
+                    </a:p>
+                  </a:txBody>
+                  <a:tcPr/>
+                </a:tc>
+                <a:tc>
+                  <a:txBody>
+                    <a:bodyPr/>
+                    <a:lstStyle/>
+                    <a:p>
+                      <a:r>
+                        <a:rPr lang="en-US" sz="1200" dirty="0"/>
+                        <a:t>1</a:t>
+                      </a:r>
+                    </a:p>
+                  </a:txBody>
+                  <a:tcPr/>
+                </a:tc>
+                <a:tc>
+                  <a:txBody>
+                    <a:bodyPr/>
+                    <a:lstStyle/>
+                    <a:p>
+                      <a:r>
+                        <a:rPr lang="en-US" sz="1200" dirty="0"/>
+                        <a:t>111111</a:t>
+                      </a:r>
+                    </a:p>
+                  </a:txBody>
+                  <a:tcPr/>
+                </a:tc>
+                <a:tc>
+                  <a:txBody>
+                    <a:bodyPr/>
+                    <a:lstStyle/>
+                    <a:p>
+                      <a:r>
+                        <a:rPr lang="en-US" sz="1200" dirty="0"/>
+                        <a:t>.</a:t>
+                      </a:r>
+                    </a:p>
+                  </a:txBody>
+                  <a:tcPr/>
+                </a:tc>
+                <a:tc>
+                  <a:txBody>
+                    <a:bodyPr/>
+                    <a:lstStyle/>
+                    <a:p>
+                      <a:r>
+                        <a:rPr lang="en-US" sz="1200" dirty="0"/>
+                        <a:t>A</a:t>
+                      </a:r>
+                    </a:p>
+                  </a:txBody>
+                  <a:tcPr/>
+                </a:tc>
+                <a:tc>
+                  <a:txBody>
+                    <a:bodyPr/>
+                    <a:lstStyle/>
+                    <a:p>
+                      <a:r>
+                        <a:rPr lang="en-US" sz="1200" dirty="0"/>
+                        <a:t>GAPDHP2:internal_hit</a:t>
+                      </a:r>
+                    </a:p>
+                  </a:txBody>
+                  <a:tcPr>
+                    <a:solidFill>
+                      <a:schemeClr val="accent4">
+                        <a:lumMod val="40000"/>
+                        <a:lumOff val="60000"/>
+                      </a:schemeClr>
+                    </a:solidFill>
+                  </a:tcPr>
+                </a:tc>
+                <a:extLst>
+                  <a:ext uri="{0D108BD9-81ED-4DB2-BD59-A6C34878D82A}">
+                    <a16:rowId xmlns:a16="http://schemas.microsoft.com/office/drawing/2014/main" val="2913549281"/>
+                  </a:ext>
+                </a:extLst>
+              </a:tr>
+              <a:tr h="359926">
+                <a:tc>
+                  <a:txBody>
+                    <a:bodyPr/>
+                    <a:lstStyle/>
+                    <a:p>
+                      <a:r>
+                        <a:rPr lang="en-US" sz="1200" dirty="0"/>
+                        <a:t>mut2</a:t>
+                      </a:r>
+                    </a:p>
+                  </a:txBody>
+                  <a:tcPr/>
+                </a:tc>
+                <a:tc>
+                  <a:txBody>
+                    <a:bodyPr/>
+                    <a:lstStyle/>
+                    <a:p>
+                      <a:r>
+                        <a:rPr lang="en-US" sz="1200" dirty="0"/>
+                        <a:t>1</a:t>
+                      </a:r>
+                    </a:p>
+                  </a:txBody>
+                  <a:tcPr/>
+                </a:tc>
+                <a:tc>
+                  <a:txBody>
+                    <a:bodyPr/>
+                    <a:lstStyle/>
+                    <a:p>
+                      <a:r>
+                        <a:rPr lang="en-US" sz="1200" dirty="0"/>
+                        <a:t>111112</a:t>
+                      </a:r>
+                    </a:p>
+                  </a:txBody>
+                  <a:tcPr/>
+                </a:tc>
+                <a:tc>
+                  <a:txBody>
+                    <a:bodyPr/>
+                    <a:lstStyle/>
+                    <a:p>
+                      <a:r>
+                        <a:rPr lang="en-US" sz="1200" dirty="0"/>
+                        <a:t>.</a:t>
+                      </a:r>
+                    </a:p>
+                  </a:txBody>
+                  <a:tcPr/>
+                </a:tc>
+                <a:tc>
+                  <a:txBody>
+                    <a:bodyPr/>
+                    <a:lstStyle/>
+                    <a:p>
+                      <a:r>
+                        <a:rPr lang="en-US" sz="1200" dirty="0"/>
+                        <a:t>A</a:t>
+                      </a:r>
+                    </a:p>
+                  </a:txBody>
+                  <a:tcPr/>
+                </a:tc>
+                <a:tc>
+                  <a:txBody>
+                    <a:bodyPr/>
+                    <a:lstStyle/>
+                    <a:p>
+                      <a:r>
+                        <a:rPr lang="en-US" sz="1200" dirty="0"/>
+                        <a:t>RRBP1:internal_hit</a:t>
+                      </a:r>
+                    </a:p>
+                  </a:txBody>
+                  <a:tcPr>
+                    <a:solidFill>
+                      <a:schemeClr val="accent4">
+                        <a:lumMod val="40000"/>
+                        <a:lumOff val="60000"/>
+                      </a:schemeClr>
+                    </a:solidFill>
+                  </a:tcPr>
+                </a:tc>
+                <a:extLst>
+                  <a:ext uri="{0D108BD9-81ED-4DB2-BD59-A6C34878D82A}">
+                    <a16:rowId xmlns:a16="http://schemas.microsoft.com/office/drawing/2014/main" val="3610620223"/>
+                  </a:ext>
+                </a:extLst>
+              </a:tr>
+              <a:tr h="359926">
+                <a:tc>
+                  <a:txBody>
+                    <a:bodyPr/>
+                    <a:lstStyle/>
+                    <a:p>
+                      <a:r>
+                        <a:rPr lang="en-US" sz="1200" dirty="0"/>
+                        <a:t>mut3</a:t>
+                      </a:r>
+                    </a:p>
+                  </a:txBody>
+                  <a:tcPr/>
+                </a:tc>
+                <a:tc>
+                  <a:txBody>
+                    <a:bodyPr/>
+                    <a:lstStyle/>
+                    <a:p>
+                      <a:r>
+                        <a:rPr lang="en-US" sz="1200" dirty="0"/>
+                        <a:t>1</a:t>
+                      </a:r>
+                    </a:p>
+                  </a:txBody>
+                  <a:tcPr/>
+                </a:tc>
+                <a:tc>
+                  <a:txBody>
+                    <a:bodyPr/>
+                    <a:lstStyle/>
+                    <a:p>
+                      <a:r>
+                        <a:rPr lang="en-US" sz="1200" dirty="0"/>
+                        <a:t>111113</a:t>
+                      </a:r>
+                    </a:p>
+                  </a:txBody>
+                  <a:tcPr/>
+                </a:tc>
+                <a:tc>
+                  <a:txBody>
+                    <a:bodyPr/>
+                    <a:lstStyle/>
+                    <a:p>
+                      <a:r>
+                        <a:rPr lang="en-US" sz="1200" dirty="0"/>
+                        <a:t>.</a:t>
+                      </a:r>
+                    </a:p>
+                  </a:txBody>
+                  <a:tcPr/>
+                </a:tc>
+                <a:tc>
+                  <a:txBody>
+                    <a:bodyPr/>
+                    <a:lstStyle/>
+                    <a:p>
+                      <a:r>
+                        <a:rPr lang="en-US" sz="1200" dirty="0"/>
+                        <a:t>A</a:t>
+                      </a:r>
+                    </a:p>
+                  </a:txBody>
+                  <a:tcPr/>
+                </a:tc>
+                <a:tc>
+                  <a:txBody>
+                    <a:bodyPr/>
+                    <a:lstStyle/>
+                    <a:p>
+                      <a:r>
+                        <a:rPr lang="en-US" sz="1200" dirty="0"/>
+                        <a:t>POLR3F:internal_hi</a:t>
+                      </a:r>
+                    </a:p>
+                  </a:txBody>
+                  <a:tcPr>
+                    <a:solidFill>
+                      <a:schemeClr val="accent4">
+                        <a:lumMod val="40000"/>
+                        <a:lumOff val="60000"/>
+                      </a:schemeClr>
+                    </a:solidFill>
+                  </a:tcPr>
+                </a:tc>
+                <a:extLst>
+                  <a:ext uri="{0D108BD9-81ED-4DB2-BD59-A6C34878D82A}">
+                    <a16:rowId xmlns:a16="http://schemas.microsoft.com/office/drawing/2014/main" val="2702357084"/>
+                  </a:ext>
+                </a:extLst>
+              </a:tr>
+            </a:tbl>
+          </a:graphicData>
+        </a:graphic>
+      </p:graphicFrame>
+      <p:cxnSp>
+        <p:nvCxnSpPr>
+          <p:cNvPr id="41" name="Straight Connector 40">
+            <a:extLst>
+              <a:ext uri="{FF2B5EF4-FFF2-40B4-BE49-F238E27FC236}">
+                <a16:creationId xmlns:a16="http://schemas.microsoft.com/office/drawing/2014/main" id="{318F9019-1F7D-4588-B88E-CD469895CBA6}"/>
+              </a:ext>
+            </a:extLst>
+          </p:cNvPr>
+          <p:cNvCxnSpPr>
+            <a:cxnSpLocks/>
+          </p:cNvCxnSpPr>
+          <p:nvPr/>
+        </p:nvCxnSpPr>
+        <p:spPr>
+          <a:xfrm>
+            <a:off x="3450530" y="4556077"/>
+            <a:ext cx="0" cy="529391"/>
+          </a:xfrm>
+          <a:prstGeom prst="line">
+            <a:avLst/>
+          </a:prstGeom>
+        </p:spPr>
+        <p:style>
+          <a:lnRef idx="1">
+            <a:schemeClr val="accent1"/>
+          </a:lnRef>
+          <a:fillRef idx="0">
+            <a:schemeClr val="accent1"/>
+          </a:fillRef>
+          <a:effectRef idx="0">
+            <a:schemeClr val="accent1"/>
+          </a:effectRef>
+          <a:fontRef idx="minor">
+            <a:schemeClr val="tx1"/>
+          </a:fontRef>
+        </p:style>
+      </p:cxnSp>
+      <p:sp>
+        <p:nvSpPr>
+          <p:cNvPr id="74" name="TextBox 73">
+            <a:extLst>
+              <a:ext uri="{FF2B5EF4-FFF2-40B4-BE49-F238E27FC236}">
+                <a16:creationId xmlns:a16="http://schemas.microsoft.com/office/drawing/2014/main" id="{FFAB5CD2-E20F-41DA-8235-89A138A1FF8F}"/>
+              </a:ext>
+            </a:extLst>
+          </p:cNvPr>
+          <p:cNvSpPr txBox="1"/>
+          <p:nvPr/>
+        </p:nvSpPr>
+        <p:spPr>
+          <a:xfrm>
+            <a:off x="579960" y="243154"/>
+            <a:ext cx="1502053" cy="923330"/>
+          </a:xfrm>
+          <a:prstGeom prst="rect">
+            <a:avLst/>
+          </a:prstGeom>
+        </p:spPr>
+        <p:style>
+          <a:lnRef idx="2">
+            <a:schemeClr val="dk1"/>
+          </a:lnRef>
+          <a:fillRef idx="1">
+            <a:schemeClr val="lt1"/>
+          </a:fillRef>
+          <a:effectRef idx="0">
+            <a:schemeClr val="dk1"/>
+          </a:effectRef>
+          <a:fontRef idx="minor">
+            <a:schemeClr val="dk1"/>
+          </a:fontRef>
+        </p:style>
+        <p:txBody>
+          <a:bodyPr wrap="square" rtlCol="0">
+            <a:spAutoFit/>
+          </a:bodyPr>
+          <a:lstStyle/>
+          <a:p>
+            <a:pPr algn="ctr"/>
+            <a:r>
+              <a:rPr lang="en-US" u="sng" dirty="0"/>
+              <a:t>PROCESS</a:t>
+            </a:r>
+            <a:r>
+              <a:rPr lang="en-US" dirty="0"/>
+              <a:t>:</a:t>
+            </a:r>
+          </a:p>
+          <a:p>
+            <a:pPr algn="ctr"/>
+            <a:r>
+              <a:rPr lang="en-US" dirty="0"/>
+              <a:t>VCF Promoter Annotation</a:t>
+            </a:r>
+          </a:p>
+        </p:txBody>
+      </p:sp>
+    </p:spTree>
+    <p:extLst>
+      <p:ext uri="{BB962C8B-B14F-4D97-AF65-F5344CB8AC3E}">
+        <p14:creationId xmlns:p14="http://schemas.microsoft.com/office/powerpoint/2010/main" val="2594134245"/>
       </p:ext>
     </p:extLst>
   </p:cSld>

--- a/docs/ExpressiVar_presentation.pptx
+++ b/docs/ExpressiVar_presentation.pptx
@@ -105,6 +105,11 @@
       </a:defRPr>
     </a:lvl9pPr>
   </p:defaultTextStyle>
+  <p:extLst>
+    <p:ext uri="{EFAFB233-063F-42B5-8137-9DF3F51BA10A}">
+      <p15:sldGuideLst xmlns:p15="http://schemas.microsoft.com/office/powerpoint/2012/main"/>
+    </p:ext>
+  </p:extLst>
 </p:presentation>
 </file>
 
@@ -255,7 +260,7 @@
           <a:p>
             <a:fld id="{B0EBF7F0-0616-4455-B9A4-A37F3946CD69}" type="datetimeFigureOut">
               <a:rPr lang="en-US" smtClean="0"/>
-              <a:t>8/6/2018</a:t>
+              <a:t>8/8/2018</a:t>
             </a:fld>
             <a:endParaRPr lang="en-US"/>
           </a:p>
@@ -453,7 +458,7 @@
           <a:p>
             <a:fld id="{B0EBF7F0-0616-4455-B9A4-A37F3946CD69}" type="datetimeFigureOut">
               <a:rPr lang="en-US" smtClean="0"/>
-              <a:t>8/6/2018</a:t>
+              <a:t>8/8/2018</a:t>
             </a:fld>
             <a:endParaRPr lang="en-US"/>
           </a:p>
@@ -661,7 +666,7 @@
           <a:p>
             <a:fld id="{B0EBF7F0-0616-4455-B9A4-A37F3946CD69}" type="datetimeFigureOut">
               <a:rPr lang="en-US" smtClean="0"/>
-              <a:t>8/6/2018</a:t>
+              <a:t>8/8/2018</a:t>
             </a:fld>
             <a:endParaRPr lang="en-US"/>
           </a:p>
@@ -859,7 +864,7 @@
           <a:p>
             <a:fld id="{B0EBF7F0-0616-4455-B9A4-A37F3946CD69}" type="datetimeFigureOut">
               <a:rPr lang="en-US" smtClean="0"/>
-              <a:t>8/6/2018</a:t>
+              <a:t>8/8/2018</a:t>
             </a:fld>
             <a:endParaRPr lang="en-US"/>
           </a:p>
@@ -1134,7 +1139,7 @@
           <a:p>
             <a:fld id="{B0EBF7F0-0616-4455-B9A4-A37F3946CD69}" type="datetimeFigureOut">
               <a:rPr lang="en-US" smtClean="0"/>
-              <a:t>8/6/2018</a:t>
+              <a:t>8/8/2018</a:t>
             </a:fld>
             <a:endParaRPr lang="en-US"/>
           </a:p>
@@ -1399,7 +1404,7 @@
           <a:p>
             <a:fld id="{B0EBF7F0-0616-4455-B9A4-A37F3946CD69}" type="datetimeFigureOut">
               <a:rPr lang="en-US" smtClean="0"/>
-              <a:t>8/6/2018</a:t>
+              <a:t>8/8/2018</a:t>
             </a:fld>
             <a:endParaRPr lang="en-US"/>
           </a:p>
@@ -1811,7 +1816,7 @@
           <a:p>
             <a:fld id="{B0EBF7F0-0616-4455-B9A4-A37F3946CD69}" type="datetimeFigureOut">
               <a:rPr lang="en-US" smtClean="0"/>
-              <a:t>8/6/2018</a:t>
+              <a:t>8/8/2018</a:t>
             </a:fld>
             <a:endParaRPr lang="en-US"/>
           </a:p>
@@ -1952,7 +1957,7 @@
           <a:p>
             <a:fld id="{B0EBF7F0-0616-4455-B9A4-A37F3946CD69}" type="datetimeFigureOut">
               <a:rPr lang="en-US" smtClean="0"/>
-              <a:t>8/6/2018</a:t>
+              <a:t>8/8/2018</a:t>
             </a:fld>
             <a:endParaRPr lang="en-US"/>
           </a:p>
@@ -2065,7 +2070,7 @@
           <a:p>
             <a:fld id="{B0EBF7F0-0616-4455-B9A4-A37F3946CD69}" type="datetimeFigureOut">
               <a:rPr lang="en-US" smtClean="0"/>
-              <a:t>8/6/2018</a:t>
+              <a:t>8/8/2018</a:t>
             </a:fld>
             <a:endParaRPr lang="en-US"/>
           </a:p>
@@ -2376,7 +2381,7 @@
           <a:p>
             <a:fld id="{B0EBF7F0-0616-4455-B9A4-A37F3946CD69}" type="datetimeFigureOut">
               <a:rPr lang="en-US" smtClean="0"/>
-              <a:t>8/6/2018</a:t>
+              <a:t>8/8/2018</a:t>
             </a:fld>
             <a:endParaRPr lang="en-US"/>
           </a:p>
@@ -2664,7 +2669,7 @@
           <a:p>
             <a:fld id="{B0EBF7F0-0616-4455-B9A4-A37F3946CD69}" type="datetimeFigureOut">
               <a:rPr lang="en-US" smtClean="0"/>
-              <a:t>8/6/2018</a:t>
+              <a:t>8/8/2018</a:t>
             </a:fld>
             <a:endParaRPr lang="en-US"/>
           </a:p>
@@ -2905,7 +2910,7 @@
           <a:p>
             <a:fld id="{B0EBF7F0-0616-4455-B9A4-A37F3946CD69}" type="datetimeFigureOut">
               <a:rPr lang="en-US" smtClean="0"/>
-              <a:t>8/6/2018</a:t>
+              <a:t>8/8/2018</a:t>
             </a:fld>
             <a:endParaRPr lang="en-US"/>
           </a:p>
@@ -5853,7 +5858,7 @@
           <p:nvPr>
             <p:extLst>
               <p:ext uri="{D42A27DB-BD31-4B8C-83A1-F6EECF244321}">
-                <p14:modId xmlns:p14="http://schemas.microsoft.com/office/powerpoint/2010/main" val="1510567776"/>
+                <p14:modId xmlns:p14="http://schemas.microsoft.com/office/powerpoint/2010/main" val="382348126"/>
               </p:ext>
             </p:extLst>
           </p:nvPr>
@@ -6261,8 +6266,13 @@
                     <a:p>
                       <a:r>
                         <a:rPr lang="en-US" sz="1200" dirty="0"/>
-                        <a:t>POLR3F:internal_hi</a:t>
+                        <a:t>POLR3F:internal</a:t>
                       </a:r>
+                      <a:r>
+                        <a:rPr lang="en-US" sz="1200"/>
+                        <a:t>_hit</a:t>
+                      </a:r>
+                      <a:endParaRPr lang="en-US" sz="1200" dirty="0"/>
                     </a:p>
                   </a:txBody>
                   <a:tcPr>
